--- a/slides/ArduinoSeminar1.pptx
+++ b/slides/ArduinoSeminar1.pptx
@@ -13,17 +13,23 @@
     <p:sldId id="259" r:id="rId6"/>
     <p:sldId id="260" r:id="rId7"/>
     <p:sldId id="261" r:id="rId8"/>
-    <p:sldId id="262" r:id="rId9"/>
-    <p:sldId id="263" r:id="rId10"/>
-    <p:sldId id="264" r:id="rId11"/>
-    <p:sldId id="265" r:id="rId12"/>
-    <p:sldId id="266" r:id="rId13"/>
-    <p:sldId id="267" r:id="rId14"/>
-    <p:sldId id="269" r:id="rId15"/>
-    <p:sldId id="270" r:id="rId16"/>
-    <p:sldId id="271" r:id="rId17"/>
-    <p:sldId id="273" r:id="rId18"/>
-    <p:sldId id="268" r:id="rId19"/>
+    <p:sldId id="277" r:id="rId9"/>
+    <p:sldId id="262" r:id="rId10"/>
+    <p:sldId id="263" r:id="rId11"/>
+    <p:sldId id="264" r:id="rId12"/>
+    <p:sldId id="265" r:id="rId13"/>
+    <p:sldId id="266" r:id="rId14"/>
+    <p:sldId id="267" r:id="rId15"/>
+    <p:sldId id="269" r:id="rId16"/>
+    <p:sldId id="270" r:id="rId17"/>
+    <p:sldId id="271" r:id="rId18"/>
+    <p:sldId id="273" r:id="rId19"/>
+    <p:sldId id="278" r:id="rId20"/>
+    <p:sldId id="274" r:id="rId21"/>
+    <p:sldId id="275" r:id="rId22"/>
+    <p:sldId id="279" r:id="rId23"/>
+    <p:sldId id="280" r:id="rId24"/>
+    <p:sldId id="268" r:id="rId25"/>
   </p:sldIdLst>
   <p:sldSz cx="12192000" cy="6858000"/>
   <p:notesSz cx="7103745" cy="10234295"/>
@@ -758,6 +764,291 @@
 </file>
 
 <file path=ppt/notesSlides/notesSlide4.xml><?xml version="1.0" encoding="utf-8"?>
+<p:notes xmlns:a="http://schemas.openxmlformats.org/drawingml/2006/main" xmlns:r="http://schemas.openxmlformats.org/officeDocument/2006/relationships" xmlns:p="http://schemas.openxmlformats.org/presentationml/2006/main" showMasterPhAnim="0" showMasterSp="0">
+  <p:cSld>
+    <p:spTree>
+      <p:nvGrpSpPr>
+        <p:cNvPr id="95" name="Shape 95"/>
+        <p:cNvGrpSpPr/>
+        <p:nvPr/>
+      </p:nvGrpSpPr>
+      <p:grpSpPr>
+        <a:xfrm>
+          <a:off x="0" y="0"/>
+          <a:ext cx="0" cy="0"/>
+          <a:chOff x="0" y="0"/>
+          <a:chExt cx="0" cy="0"/>
+        </a:xfrm>
+      </p:grpSpPr>
+      <p:sp>
+        <p:nvSpPr>
+          <p:cNvPr id="96" name="Shape 96"/>
+          <p:cNvSpPr/>
+          <p:nvPr>
+            <p:ph type="sldImg" idx="2"/>
+          </p:nvPr>
+        </p:nvSpPr>
+        <p:spPr>
+          <a:xfrm>
+            <a:off x="381175" y="685800"/>
+            <a:ext cx="6096299" cy="3429000"/>
+          </a:xfrm>
+          <a:custGeom>
+            <a:avLst/>
+            <a:gdLst/>
+            <a:ahLst/>
+            <a:cxnLst/>
+            <a:pathLst>
+              <a:path w="120000" h="120000" extrusionOk="0">
+                <a:moveTo>
+                  <a:pt x="0" y="0"/>
+                </a:moveTo>
+                <a:lnTo>
+                  <a:pt x="120000" y="0"/>
+                </a:lnTo>
+                <a:lnTo>
+                  <a:pt x="120000" y="120000"/>
+                </a:lnTo>
+                <a:lnTo>
+                  <a:pt x="0" y="120000"/>
+                </a:lnTo>
+                <a:close/>
+              </a:path>
+            </a:pathLst>
+          </a:custGeom>
+        </p:spPr>
+      </p:sp>
+      <p:sp>
+        <p:nvSpPr>
+          <p:cNvPr id="97" name="Shape 97"/>
+          <p:cNvSpPr txBox="1"/>
+          <p:nvPr>
+            <p:ph type="body" idx="1"/>
+          </p:nvPr>
+        </p:nvSpPr>
+        <p:spPr>
+          <a:xfrm>
+            <a:off x="685800" y="4343400"/>
+            <a:ext cx="5486399" cy="4114800"/>
+          </a:xfrm>
+          <a:prstGeom prst="rect">
+            <a:avLst/>
+          </a:prstGeom>
+        </p:spPr>
+        <p:txBody>
+          <a:bodyPr lIns="91425" tIns="91425" rIns="91425" bIns="91425" anchor="t" anchorCtr="0">
+            <a:noAutofit/>
+          </a:bodyPr>
+          <a:lstStyle/>
+          <a:p>
+            <a:pPr lvl="0">
+              <a:spcBef>
+                <a:spcPts val="0"/>
+              </a:spcBef>
+              <a:buNone/>
+            </a:pPr>
+          </a:p>
+        </p:txBody>
+      </p:sp>
+    </p:spTree>
+  </p:cSld>
+  <p:clrMapOvr>
+    <a:masterClrMapping/>
+  </p:clrMapOvr>
+</p:notes>
+</file>
+
+<file path=ppt/notesSlides/notesSlide5.xml><?xml version="1.0" encoding="utf-8"?>
+<p:notes xmlns:a="http://schemas.openxmlformats.org/drawingml/2006/main" xmlns:r="http://schemas.openxmlformats.org/officeDocument/2006/relationships" xmlns:p="http://schemas.openxmlformats.org/presentationml/2006/main" showMasterPhAnim="0" showMasterSp="0">
+  <p:cSld>
+    <p:spTree>
+      <p:nvGrpSpPr>
+        <p:cNvPr id="95" name="Shape 95"/>
+        <p:cNvGrpSpPr/>
+        <p:nvPr/>
+      </p:nvGrpSpPr>
+      <p:grpSpPr>
+        <a:xfrm>
+          <a:off x="0" y="0"/>
+          <a:ext cx="0" cy="0"/>
+          <a:chOff x="0" y="0"/>
+          <a:chExt cx="0" cy="0"/>
+        </a:xfrm>
+      </p:grpSpPr>
+      <p:sp>
+        <p:nvSpPr>
+          <p:cNvPr id="96" name="Shape 96"/>
+          <p:cNvSpPr/>
+          <p:nvPr>
+            <p:ph type="sldImg" idx="2"/>
+          </p:nvPr>
+        </p:nvSpPr>
+        <p:spPr>
+          <a:xfrm>
+            <a:off x="381175" y="685800"/>
+            <a:ext cx="6096299" cy="3429000"/>
+          </a:xfrm>
+          <a:custGeom>
+            <a:avLst/>
+            <a:gdLst/>
+            <a:ahLst/>
+            <a:cxnLst/>
+            <a:pathLst>
+              <a:path w="120000" h="120000" extrusionOk="0">
+                <a:moveTo>
+                  <a:pt x="0" y="0"/>
+                </a:moveTo>
+                <a:lnTo>
+                  <a:pt x="120000" y="0"/>
+                </a:lnTo>
+                <a:lnTo>
+                  <a:pt x="120000" y="120000"/>
+                </a:lnTo>
+                <a:lnTo>
+                  <a:pt x="0" y="120000"/>
+                </a:lnTo>
+                <a:close/>
+              </a:path>
+            </a:pathLst>
+          </a:custGeom>
+        </p:spPr>
+      </p:sp>
+      <p:sp>
+        <p:nvSpPr>
+          <p:cNvPr id="97" name="Shape 97"/>
+          <p:cNvSpPr txBox="1"/>
+          <p:nvPr>
+            <p:ph type="body" idx="1"/>
+          </p:nvPr>
+        </p:nvSpPr>
+        <p:spPr>
+          <a:xfrm>
+            <a:off x="685800" y="4343400"/>
+            <a:ext cx="5486399" cy="4114800"/>
+          </a:xfrm>
+          <a:prstGeom prst="rect">
+            <a:avLst/>
+          </a:prstGeom>
+        </p:spPr>
+        <p:txBody>
+          <a:bodyPr lIns="91425" tIns="91425" rIns="91425" bIns="91425" anchor="t" anchorCtr="0">
+            <a:noAutofit/>
+          </a:bodyPr>
+          <a:lstStyle/>
+          <a:p>
+            <a:pPr lvl="0">
+              <a:spcBef>
+                <a:spcPts val="0"/>
+              </a:spcBef>
+              <a:buNone/>
+            </a:pPr>
+          </a:p>
+        </p:txBody>
+      </p:sp>
+    </p:spTree>
+  </p:cSld>
+  <p:clrMapOvr>
+    <a:masterClrMapping/>
+  </p:clrMapOvr>
+</p:notes>
+</file>
+
+<file path=ppt/notesSlides/notesSlide6.xml><?xml version="1.0" encoding="utf-8"?>
+<p:notes xmlns:a="http://schemas.openxmlformats.org/drawingml/2006/main" xmlns:r="http://schemas.openxmlformats.org/officeDocument/2006/relationships" xmlns:p="http://schemas.openxmlformats.org/presentationml/2006/main" showMasterPhAnim="0" showMasterSp="0">
+  <p:cSld>
+    <p:spTree>
+      <p:nvGrpSpPr>
+        <p:cNvPr id="95" name="Shape 95"/>
+        <p:cNvGrpSpPr/>
+        <p:nvPr/>
+      </p:nvGrpSpPr>
+      <p:grpSpPr>
+        <a:xfrm>
+          <a:off x="0" y="0"/>
+          <a:ext cx="0" cy="0"/>
+          <a:chOff x="0" y="0"/>
+          <a:chExt cx="0" cy="0"/>
+        </a:xfrm>
+      </p:grpSpPr>
+      <p:sp>
+        <p:nvSpPr>
+          <p:cNvPr id="96" name="Shape 96"/>
+          <p:cNvSpPr/>
+          <p:nvPr>
+            <p:ph type="sldImg" idx="2"/>
+          </p:nvPr>
+        </p:nvSpPr>
+        <p:spPr>
+          <a:xfrm>
+            <a:off x="381175" y="685800"/>
+            <a:ext cx="6096299" cy="3429000"/>
+          </a:xfrm>
+          <a:custGeom>
+            <a:avLst/>
+            <a:gdLst/>
+            <a:ahLst/>
+            <a:cxnLst/>
+            <a:pathLst>
+              <a:path w="120000" h="120000" extrusionOk="0">
+                <a:moveTo>
+                  <a:pt x="0" y="0"/>
+                </a:moveTo>
+                <a:lnTo>
+                  <a:pt x="120000" y="0"/>
+                </a:lnTo>
+                <a:lnTo>
+                  <a:pt x="120000" y="120000"/>
+                </a:lnTo>
+                <a:lnTo>
+                  <a:pt x="0" y="120000"/>
+                </a:lnTo>
+                <a:close/>
+              </a:path>
+            </a:pathLst>
+          </a:custGeom>
+        </p:spPr>
+      </p:sp>
+      <p:sp>
+        <p:nvSpPr>
+          <p:cNvPr id="97" name="Shape 97"/>
+          <p:cNvSpPr txBox="1"/>
+          <p:nvPr>
+            <p:ph type="body" idx="1"/>
+          </p:nvPr>
+        </p:nvSpPr>
+        <p:spPr>
+          <a:xfrm>
+            <a:off x="685800" y="4343400"/>
+            <a:ext cx="5486399" cy="4114800"/>
+          </a:xfrm>
+          <a:prstGeom prst="rect">
+            <a:avLst/>
+          </a:prstGeom>
+        </p:spPr>
+        <p:txBody>
+          <a:bodyPr lIns="91425" tIns="91425" rIns="91425" bIns="91425" anchor="t" anchorCtr="0">
+            <a:noAutofit/>
+          </a:bodyPr>
+          <a:lstStyle/>
+          <a:p>
+            <a:pPr lvl="0">
+              <a:spcBef>
+                <a:spcPts val="0"/>
+              </a:spcBef>
+              <a:buNone/>
+            </a:pPr>
+          </a:p>
+        </p:txBody>
+      </p:sp>
+    </p:spTree>
+  </p:cSld>
+  <p:clrMapOvr>
+    <a:masterClrMapping/>
+  </p:clrMapOvr>
+</p:notes>
+</file>
+
+<file path=ppt/notesSlides/notesSlide7.xml><?xml version="1.0" encoding="utf-8"?>
 <p:notes xmlns:a="http://schemas.openxmlformats.org/drawingml/2006/main" xmlns:r="http://schemas.openxmlformats.org/officeDocument/2006/relationships" xmlns:p="http://schemas.openxmlformats.org/presentationml/2006/main" showMasterPhAnim="0" showMasterSp="0">
   <p:cSld>
     <p:spTree>
@@ -5239,7 +5530,7 @@
           <a:p>
             <a:r>
               <a:rPr lang="en-US" altLang="zh-CN"/>
-              <a:t>Same circuit using the breadboard</a:t>
+              <a:t>Breadboard</a:t>
             </a:r>
             <a:endParaRPr lang="en-US" altLang="zh-CN"/>
           </a:p>
@@ -5263,7 +5554,7 @@
       </p:sp>
       <p:pic>
         <p:nvPicPr>
-          <p:cNvPr id="4" name="图片 3" descr="Untitled Sketch_bb2"/>
+          <p:cNvPr id="4" name="图片 3"/>
           <p:cNvPicPr>
             <a:picLocks noChangeAspect="1"/>
           </p:cNvPicPr>
@@ -5277,8 +5568,32 @@
         </p:blipFill>
         <p:spPr>
           <a:xfrm>
-            <a:off x="1250950" y="2155190"/>
-            <a:ext cx="10260965" cy="4150360"/>
+            <a:off x="1031875" y="2625725"/>
+            <a:ext cx="4667250" cy="3208655"/>
+          </a:xfrm>
+          <a:prstGeom prst="rect">
+            <a:avLst/>
+          </a:prstGeom>
+        </p:spPr>
+      </p:pic>
+      <p:pic>
+        <p:nvPicPr>
+          <p:cNvPr id="5" name="图片 4" descr="basic_breadboard_layout"/>
+          <p:cNvPicPr>
+            <a:picLocks noChangeAspect="1"/>
+          </p:cNvPicPr>
+          <p:nvPr/>
+        </p:nvPicPr>
+        <p:blipFill>
+          <a:blip r:embed="rId2"/>
+          <a:stretch>
+            <a:fillRect/>
+          </a:stretch>
+        </p:blipFill>
+        <p:spPr>
+          <a:xfrm>
+            <a:off x="6353175" y="2625725"/>
+            <a:ext cx="5106670" cy="3288665"/>
           </a:xfrm>
           <a:prstGeom prst="rect">
             <a:avLst/>
@@ -5317,7 +5632,7 @@
           <a:p>
             <a:r>
               <a:rPr lang="en-US" altLang="zh-CN"/>
-              <a:t>What if... ?</a:t>
+              <a:t>Same circuit using the breadboard</a:t>
             </a:r>
             <a:endParaRPr lang="en-US" altLang="zh-CN"/>
           </a:p>
@@ -5341,7 +5656,7 @@
       </p:sp>
       <p:pic>
         <p:nvPicPr>
-          <p:cNvPr id="4" name="图片 3" descr="Untitled Sketch_bb3"/>
+          <p:cNvPr id="4" name="图片 3" descr="Untitled Sketch_bb2"/>
           <p:cNvPicPr>
             <a:picLocks noChangeAspect="1"/>
           </p:cNvPicPr>
@@ -5395,7 +5710,7 @@
           <a:p>
             <a:r>
               <a:rPr lang="en-US" altLang="zh-CN"/>
-              <a:t>A regulated blinking LED</a:t>
+              <a:t>What if... ?</a:t>
             </a:r>
             <a:endParaRPr lang="en-US" altLang="zh-CN"/>
           </a:p>
@@ -5419,7 +5734,7 @@
       </p:sp>
       <p:pic>
         <p:nvPicPr>
-          <p:cNvPr id="4" name="图片 3" descr="Untitled Sketch_bb4"/>
+          <p:cNvPr id="4" name="图片 3" descr="Untitled Sketch_bb3"/>
           <p:cNvPicPr>
             <a:picLocks noChangeAspect="1"/>
           </p:cNvPicPr>
@@ -5433,8 +5748,8 @@
         </p:blipFill>
         <p:spPr>
           <a:xfrm>
-            <a:off x="1337310" y="2155190"/>
-            <a:ext cx="10087610" cy="4150360"/>
+            <a:off x="1250950" y="2155190"/>
+            <a:ext cx="10260965" cy="4150360"/>
           </a:xfrm>
           <a:prstGeom prst="rect">
             <a:avLst/>
@@ -5472,12 +5787,10 @@
           <a:bodyPr/>
           <a:p>
             <a:r>
-              <a:rPr lang="en-US" altLang="zh-CN" sz="2660">
-                <a:sym typeface="+mn-ea"/>
-              </a:rPr>
+              <a:rPr lang="en-US" altLang="zh-CN"/>
               <a:t>A regulated blinking LED</a:t>
             </a:r>
-            <a:endParaRPr lang="zh-CN" altLang="en-US"/>
+            <a:endParaRPr lang="en-US" altLang="zh-CN"/>
           </a:p>
         </p:txBody>
       </p:sp>
@@ -5499,7 +5812,7 @@
       </p:sp>
       <p:pic>
         <p:nvPicPr>
-          <p:cNvPr id="4" name="图片 3" descr="COMport"/>
+          <p:cNvPr id="4" name="图片 3" descr="Untitled Sketch_bb4"/>
           <p:cNvPicPr>
             <a:picLocks noChangeAspect="1"/>
           </p:cNvPicPr>
@@ -5513,8 +5826,8 @@
         </p:blipFill>
         <p:spPr>
           <a:xfrm>
-            <a:off x="3876040" y="1951990"/>
-            <a:ext cx="5011420" cy="4556125"/>
+            <a:off x="1337310" y="2155190"/>
+            <a:ext cx="10087610" cy="4150360"/>
           </a:xfrm>
           <a:prstGeom prst="rect">
             <a:avLst/>
@@ -5555,7 +5868,7 @@
               <a:rPr lang="en-US" altLang="zh-CN" sz="2660">
                 <a:sym typeface="+mn-ea"/>
               </a:rPr>
-              <a:t>A regaulated blinking LED</a:t>
+              <a:t>A regulated blinking LED</a:t>
             </a:r>
             <a:endParaRPr lang="zh-CN" altLang="en-US"/>
           </a:p>
@@ -5573,56 +5886,34 @@
         <p:txBody>
           <a:bodyPr/>
           <a:p>
-            <a:r>
-              <a:rPr lang="en-US" altLang="zh-CN"/>
-              <a:t>Although every other tutorial would look like this...</a:t>
-            </a:r>
-            <a:endParaRPr lang="en-US" altLang="zh-CN"/>
-          </a:p>
-          <a:p>
-            <a:r>
-              <a:rPr lang="en-US" altLang="zh-CN"/>
-              <a:t>void loop() {</a:t>
-            </a:r>
-            <a:endParaRPr lang="en-US" altLang="zh-CN"/>
-          </a:p>
-          <a:p>
-            <a:r>
-              <a:rPr lang="en-US" altLang="zh-CN"/>
-              <a:t>  digitalWrite(13, HIGH);</a:t>
-            </a:r>
-            <a:endParaRPr lang="en-US" altLang="zh-CN"/>
-          </a:p>
-          <a:p>
-            <a:r>
-              <a:rPr lang="en-US" altLang="zh-CN"/>
-              <a:t>  delay(1000);                       // wait for a second</a:t>
-            </a:r>
-            <a:endParaRPr lang="en-US" altLang="zh-CN"/>
-          </a:p>
-          <a:p>
-            <a:r>
-              <a:rPr lang="en-US" altLang="zh-CN"/>
-              <a:t>  digitalWrite(13, LOW);    </a:t>
-            </a:r>
-            <a:endParaRPr lang="en-US" altLang="zh-CN"/>
-          </a:p>
-          <a:p>
-            <a:r>
-              <a:rPr lang="en-US" altLang="zh-CN"/>
-              <a:t>  delay(1000);                       // wait for a second</a:t>
-            </a:r>
-            <a:endParaRPr lang="en-US" altLang="zh-CN"/>
-          </a:p>
-          <a:p>
-            <a:r>
-              <a:rPr lang="en-US" altLang="zh-CN"/>
-              <a:t>}</a:t>
-            </a:r>
-            <a:endParaRPr lang="en-US" altLang="zh-CN"/>
+            <a:endParaRPr lang="zh-CN" altLang="en-US"/>
           </a:p>
         </p:txBody>
       </p:sp>
+      <p:pic>
+        <p:nvPicPr>
+          <p:cNvPr id="4" name="图片 3" descr="COMport"/>
+          <p:cNvPicPr>
+            <a:picLocks noChangeAspect="1"/>
+          </p:cNvPicPr>
+          <p:nvPr/>
+        </p:nvPicPr>
+        <p:blipFill>
+          <a:blip r:embed="rId1"/>
+          <a:stretch>
+            <a:fillRect/>
+          </a:stretch>
+        </p:blipFill>
+        <p:spPr>
+          <a:xfrm>
+            <a:off x="3876040" y="1951990"/>
+            <a:ext cx="5011420" cy="4556125"/>
+          </a:xfrm>
+          <a:prstGeom prst="rect">
+            <a:avLst/>
+          </a:prstGeom>
+        </p:spPr>
+      </p:pic>
     </p:spTree>
   </p:cSld>
   <p:clrMapOvr>
@@ -5677,29 +5968,49 @@
           <a:p>
             <a:r>
               <a:rPr lang="en-US" altLang="zh-CN"/>
-              <a:t>Never f**king use delay() for anything serious!!!</a:t>
+              <a:t>Although every other tutorial would look like this...</a:t>
             </a:r>
             <a:endParaRPr lang="en-US" altLang="zh-CN"/>
           </a:p>
           <a:p>
-            <a:pPr marL="914400" lvl="2" indent="-457200">
-              <a:buFont typeface="Wingdings" panose="05000000000000000000" charset="0"/>
-              <a:buChar char="l"/>
-            </a:pPr>
             <a:r>
               <a:rPr lang="en-US" altLang="zh-CN"/>
-              <a:t>Hangs up the excecution of any code;</a:t>
+              <a:t>void loop() {</a:t>
             </a:r>
             <a:endParaRPr lang="en-US" altLang="zh-CN"/>
           </a:p>
           <a:p>
-            <a:pPr marL="914400" lvl="2" indent="-457200">
-              <a:buFont typeface="Wingdings" panose="05000000000000000000" charset="0"/>
-              <a:buChar char="l"/>
-            </a:pPr>
             <a:r>
               <a:rPr lang="en-US" altLang="zh-CN"/>
-              <a:t>Your rig stops responding to any input.</a:t>
+              <a:t>  digitalWrite(13, HIGH);</a:t>
+            </a:r>
+            <a:endParaRPr lang="en-US" altLang="zh-CN"/>
+          </a:p>
+          <a:p>
+            <a:r>
+              <a:rPr lang="en-US" altLang="zh-CN"/>
+              <a:t>  delay(1000);                       // wait for a second</a:t>
+            </a:r>
+            <a:endParaRPr lang="en-US" altLang="zh-CN"/>
+          </a:p>
+          <a:p>
+            <a:r>
+              <a:rPr lang="en-US" altLang="zh-CN"/>
+              <a:t>  digitalWrite(13, LOW);    </a:t>
+            </a:r>
+            <a:endParaRPr lang="en-US" altLang="zh-CN"/>
+          </a:p>
+          <a:p>
+            <a:r>
+              <a:rPr lang="en-US" altLang="zh-CN"/>
+              <a:t>  delay(1000);                       // wait for a second</a:t>
+            </a:r>
+            <a:endParaRPr lang="en-US" altLang="zh-CN"/>
+          </a:p>
+          <a:p>
+            <a:r>
+              <a:rPr lang="en-US" altLang="zh-CN"/>
+              <a:t>}</a:t>
             </a:r>
             <a:endParaRPr lang="en-US" altLang="zh-CN"/>
           </a:p>
@@ -5718,7 +6029,89 @@
   <p:cSld>
     <p:spTree>
       <p:nvGrpSpPr>
-        <p:cNvPr id="387" name="Shape 387"/>
+        <p:cNvPr id="1" name=""/>
+        <p:cNvGrpSpPr/>
+        <p:nvPr/>
+      </p:nvGrpSpPr>
+      <p:grpSpPr/>
+      <p:sp>
+        <p:nvSpPr>
+          <p:cNvPr id="2" name="标题 1"/>
+          <p:cNvSpPr/>
+          <p:nvPr>
+            <p:ph type="title"/>
+          </p:nvPr>
+        </p:nvSpPr>
+        <p:spPr/>
+        <p:txBody>
+          <a:bodyPr/>
+          <a:p>
+            <a:r>
+              <a:rPr lang="en-US" altLang="zh-CN" sz="2660">
+                <a:sym typeface="+mn-ea"/>
+              </a:rPr>
+              <a:t>A regaulated blinking LED</a:t>
+            </a:r>
+            <a:endParaRPr lang="zh-CN" altLang="en-US"/>
+          </a:p>
+        </p:txBody>
+      </p:sp>
+      <p:sp>
+        <p:nvSpPr>
+          <p:cNvPr id="3" name="文本占位符 2"/>
+          <p:cNvSpPr/>
+          <p:nvPr>
+            <p:ph type="body" idx="1"/>
+          </p:nvPr>
+        </p:nvSpPr>
+        <p:spPr/>
+        <p:txBody>
+          <a:bodyPr/>
+          <a:p>
+            <a:r>
+              <a:rPr lang="en-US" altLang="zh-CN"/>
+              <a:t>Never f**king use delay() for anything non-trivial outside setup()!!!</a:t>
+            </a:r>
+            <a:endParaRPr lang="en-US" altLang="zh-CN"/>
+          </a:p>
+          <a:p>
+            <a:pPr marL="914400" lvl="2" indent="-457200">
+              <a:buFont typeface="Wingdings" panose="05000000000000000000" charset="0"/>
+              <a:buChar char="l"/>
+            </a:pPr>
+            <a:r>
+              <a:rPr lang="en-US" altLang="zh-CN"/>
+              <a:t>Hangs up the excecution of any code;</a:t>
+            </a:r>
+            <a:endParaRPr lang="en-US" altLang="zh-CN"/>
+          </a:p>
+          <a:p>
+            <a:pPr marL="914400" lvl="2" indent="-457200">
+              <a:buFont typeface="Wingdings" panose="05000000000000000000" charset="0"/>
+              <a:buChar char="l"/>
+            </a:pPr>
+            <a:r>
+              <a:rPr lang="en-US" altLang="zh-CN"/>
+              <a:t>Your rig stops responding to any input.</a:t>
+            </a:r>
+            <a:endParaRPr lang="en-US" altLang="zh-CN"/>
+          </a:p>
+        </p:txBody>
+      </p:sp>
+    </p:spTree>
+  </p:cSld>
+  <p:clrMapOvr>
+    <a:masterClrMapping/>
+  </p:clrMapOvr>
+</p:sld>
+</file>
+
+<file path=ppt/slides/slide17.xml><?xml version="1.0" encoding="utf-8"?>
+<p:sld xmlns:a="http://schemas.openxmlformats.org/drawingml/2006/main" xmlns:r="http://schemas.openxmlformats.org/officeDocument/2006/relationships" xmlns:p="http://schemas.openxmlformats.org/presentationml/2006/main">
+  <p:cSld>
+    <p:spTree>
+      <p:nvGrpSpPr>
+        <p:cNvPr id="98" name="Shape 98"/>
         <p:cNvGrpSpPr/>
         <p:nvPr/>
       </p:nvGrpSpPr>
@@ -5732,20 +6125,96 @@
       </p:grpSpPr>
       <p:sp>
         <p:nvSpPr>
-          <p:cNvPr id="388" name="Shape 388"/>
+          <p:cNvPr id="99" name="Shape 99"/>
           <p:cNvSpPr txBox="1"/>
           <p:nvPr>
-            <p:ph type="title"/>
+            <p:ph type="ctrTitle"/>
           </p:nvPr>
         </p:nvSpPr>
         <p:spPr>
           <a:xfrm>
-            <a:off x="1841667" y="1230224"/>
-            <a:ext cx="5171199" cy="580799"/>
+            <a:off x="2696300" y="2258031"/>
+            <a:ext cx="5050399" cy="1546399"/>
           </a:xfrm>
           <a:prstGeom prst="rect">
             <a:avLst/>
           </a:prstGeom>
+        </p:spPr>
+        <p:txBody>
+          <a:bodyPr lIns="121900" tIns="121900" rIns="121900" bIns="121900" anchor="b" anchorCtr="0">
+            <a:noAutofit/>
+          </a:bodyPr>
+          <a:lstStyle/>
+          <a:p>
+            <a:pPr lvl="0" rtl="0">
+              <a:spcBef>
+                <a:spcPts val="0"/>
+              </a:spcBef>
+              <a:buNone/>
+            </a:pPr>
+            <a:r>
+              <a:rPr lang="en-US" altLang="en-GB"/>
+              <a:t>Driving a Motor</a:t>
+            </a:r>
+            <a:endParaRPr lang="en-US" altLang="en-GB"/>
+          </a:p>
+        </p:txBody>
+      </p:sp>
+      <p:sp>
+        <p:nvSpPr>
+          <p:cNvPr id="100" name="Shape 100"/>
+          <p:cNvSpPr txBox="1"/>
+          <p:nvPr>
+            <p:ph type="subTitle" idx="1"/>
+          </p:nvPr>
+        </p:nvSpPr>
+        <p:spPr>
+          <a:xfrm>
+            <a:off x="2696400" y="3754564"/>
+            <a:ext cx="7455200" cy="1046399"/>
+          </a:xfrm>
+          <a:prstGeom prst="rect">
+            <a:avLst/>
+          </a:prstGeom>
+        </p:spPr>
+        <p:txBody>
+          <a:bodyPr lIns="121900" tIns="121900" rIns="121900" bIns="121900" anchor="t" anchorCtr="0">
+            <a:noAutofit/>
+          </a:bodyPr>
+          <a:lstStyle/>
+          <a:p>
+            <a:pPr lvl="0" rtl="0">
+              <a:spcBef>
+                <a:spcPts val="0"/>
+              </a:spcBef>
+              <a:buNone/>
+            </a:pPr>
+            <a:r>
+              <a:rPr lang="en-US" altLang="en-GB"/>
+              <a:t>Your first moving part</a:t>
+            </a:r>
+            <a:endParaRPr lang="en-US" altLang="en-GB"/>
+          </a:p>
+        </p:txBody>
+      </p:sp>
+      <p:sp>
+        <p:nvSpPr>
+          <p:cNvPr id="101" name="Shape 101"/>
+          <p:cNvSpPr txBox="1"/>
+          <p:nvPr/>
+        </p:nvSpPr>
+        <p:spPr>
+          <a:xfrm>
+            <a:off x="1511967" y="3054867"/>
+            <a:ext cx="725199" cy="749599"/>
+          </a:xfrm>
+          <a:prstGeom prst="rect">
+            <a:avLst/>
+          </a:prstGeom>
+          <a:noFill/>
+          <a:ln>
+            <a:noFill/>
+          </a:ln>
         </p:spPr>
         <p:txBody>
           <a:bodyPr lIns="121900" tIns="121900" rIns="121900" bIns="121900" anchor="ctr" anchorCtr="0">
@@ -5753,686 +6222,233 @@
           </a:bodyPr>
           <a:lstStyle/>
           <a:p>
-            <a:pPr lvl="0">
+            <a:pPr lvl="0" algn="ctr">
               <a:spcBef>
                 <a:spcPts val="0"/>
               </a:spcBef>
               <a:buNone/>
             </a:pPr>
             <a:r>
-              <a:rPr lang="en-GB"/>
-              <a:t>Credits</a:t>
+              <a:rPr lang="en-US" altLang="en-GB" sz="3200">
+                <a:solidFill>
+                  <a:schemeClr val="dk1"/>
+                </a:solidFill>
+                <a:latin typeface="Lora" panose="00000500000000000000"/>
+                <a:ea typeface="Lora" panose="00000500000000000000"/>
+                <a:cs typeface="Lora" panose="00000500000000000000"/>
+                <a:sym typeface="Lora" panose="00000500000000000000"/>
+              </a:rPr>
+              <a:t>2</a:t>
             </a:r>
-            <a:endParaRPr lang="en-GB"/>
+            <a:endParaRPr lang="en-US" altLang="en-GB" sz="3200">
+              <a:solidFill>
+                <a:schemeClr val="dk1"/>
+              </a:solidFill>
+              <a:latin typeface="Lora" panose="00000500000000000000"/>
+              <a:ea typeface="Lora" panose="00000500000000000000"/>
+              <a:cs typeface="Lora" panose="00000500000000000000"/>
+              <a:sym typeface="Lora" panose="00000500000000000000"/>
+            </a:endParaRPr>
           </a:p>
         </p:txBody>
       </p:sp>
-      <p:sp>
-        <p:nvSpPr>
-          <p:cNvPr id="389" name="Shape 389"/>
-          <p:cNvSpPr txBox="1"/>
+    </p:spTree>
+  </p:cSld>
+  <p:clrMapOvr>
+    <a:masterClrMapping/>
+  </p:clrMapOvr>
+</p:sld>
+</file>
+
+<file path=ppt/slides/slide18.xml><?xml version="1.0" encoding="utf-8"?>
+<p:sld xmlns:a="http://schemas.openxmlformats.org/drawingml/2006/main" xmlns:r="http://schemas.openxmlformats.org/officeDocument/2006/relationships" xmlns:p="http://schemas.openxmlformats.org/presentationml/2006/main">
+  <p:cSld>
+    <p:spTree>
+      <p:nvGrpSpPr>
+        <p:cNvPr id="1" name=""/>
+        <p:cNvGrpSpPr/>
+        <p:nvPr/>
+      </p:nvGrpSpPr>
+      <p:grpSpPr/>
+      <p:sp>
+        <p:nvSpPr>
+          <p:cNvPr id="2" name="标题 1"/>
+          <p:cNvSpPr/>
+          <p:nvPr>
+            <p:ph type="title"/>
+          </p:nvPr>
+        </p:nvSpPr>
+        <p:spPr/>
+        <p:txBody>
+          <a:bodyPr/>
+          <a:p>
+            <a:r>
+              <a:rPr lang="en-US" altLang="zh-CN"/>
+              <a:t>Driving a servo motor</a:t>
+            </a:r>
+            <a:endParaRPr lang="en-US" altLang="zh-CN"/>
+          </a:p>
+        </p:txBody>
+      </p:sp>
+      <p:sp>
+        <p:nvSpPr>
+          <p:cNvPr id="3" name="文本占位符 2"/>
+          <p:cNvSpPr/>
           <p:nvPr>
             <p:ph type="body" idx="1"/>
           </p:nvPr>
         </p:nvSpPr>
-        <p:spPr>
-          <a:xfrm>
-            <a:off x="1841667" y="2155293"/>
-            <a:ext cx="9079600" cy="4149600"/>
+        <p:spPr/>
+        <p:txBody>
+          <a:bodyPr/>
+          <a:p>
+            <a:endParaRPr lang="en-US" altLang="zh-CN"/>
+          </a:p>
+          <a:p>
+            <a:endParaRPr lang="en-US" altLang="zh-CN"/>
+          </a:p>
+          <a:p>
+            <a:r>
+              <a:rPr lang="en-US" altLang="zh-CN"/>
+              <a:t>What's special about a servo motor:</a:t>
+            </a:r>
+            <a:endParaRPr lang="en-US" altLang="zh-CN"/>
+          </a:p>
+          <a:p>
+            <a:pPr marL="914400" lvl="2" indent="-457200">
+              <a:buFont typeface="Wingdings" panose="05000000000000000000" charset="0"/>
+              <a:buChar char="l"/>
+            </a:pPr>
+            <a:r>
+              <a:rPr lang="en-US" altLang="zh-CN"/>
+              <a:t>Can set its orientation precisely;</a:t>
+            </a:r>
+            <a:endParaRPr lang="en-US" altLang="zh-CN"/>
+          </a:p>
+          <a:p>
+            <a:pPr marL="914400" lvl="2" indent="-457200">
+              <a:buFont typeface="Wingdings" panose="05000000000000000000" charset="0"/>
+              <a:buChar char="l"/>
+            </a:pPr>
+            <a:r>
+              <a:rPr lang="en-US" altLang="zh-CN"/>
+              <a:t>Often has limited range of rotation;</a:t>
+            </a:r>
+            <a:endParaRPr lang="en-US" altLang="zh-CN"/>
+          </a:p>
+          <a:p>
+            <a:pPr marL="914400" lvl="2" indent="-457200">
+              <a:buFont typeface="Wingdings" panose="05000000000000000000" charset="0"/>
+              <a:buChar char="l"/>
+            </a:pPr>
+            <a:endParaRPr lang="en-US" altLang="zh-CN"/>
+          </a:p>
+          <a:p>
+            <a:pPr lvl="0"/>
+            <a:r>
+              <a:rPr lang="en-US" altLang="zh-CN"/>
+              <a:t>Beware of a motor's torque and resolution!</a:t>
+            </a:r>
+            <a:endParaRPr lang="en-US" altLang="zh-CN"/>
+          </a:p>
+        </p:txBody>
+      </p:sp>
+      <p:pic>
+        <p:nvPicPr>
+          <p:cNvPr id="4" name="图片 3" descr="giphy"/>
+          <p:cNvPicPr>
+            <a:picLocks noChangeAspect="1"/>
+          </p:cNvPicPr>
+          <p:nvPr/>
+        </p:nvPicPr>
+        <p:blipFill>
+          <a:blip r:embed="rId1"/>
+          <a:stretch>
+            <a:fillRect/>
+          </a:stretch>
+        </p:blipFill>
+        <p:spPr>
+          <a:xfrm>
+            <a:off x="4758055" y="1811020"/>
+            <a:ext cx="2675890" cy="1669415"/>
           </a:xfrm>
           <a:prstGeom prst="rect">
             <a:avLst/>
           </a:prstGeom>
         </p:spPr>
+      </p:pic>
+    </p:spTree>
+  </p:cSld>
+  <p:clrMapOvr>
+    <a:masterClrMapping/>
+  </p:clrMapOvr>
+</p:sld>
+</file>
+
+<file path=ppt/slides/slide19.xml><?xml version="1.0" encoding="utf-8"?>
+<p:sld xmlns:a="http://schemas.openxmlformats.org/drawingml/2006/main" xmlns:r="http://schemas.openxmlformats.org/officeDocument/2006/relationships" xmlns:p="http://schemas.openxmlformats.org/presentationml/2006/main">
+  <p:cSld>
+    <p:spTree>
+      <p:nvGrpSpPr>
+        <p:cNvPr id="1" name=""/>
+        <p:cNvGrpSpPr/>
+        <p:nvPr/>
+      </p:nvGrpSpPr>
+      <p:grpSpPr/>
+      <p:sp>
+        <p:nvSpPr>
+          <p:cNvPr id="2" name="标题 1"/>
+          <p:cNvSpPr/>
+          <p:nvPr>
+            <p:ph type="title"/>
+          </p:nvPr>
+        </p:nvSpPr>
+        <p:spPr/>
         <p:txBody>
-          <a:bodyPr lIns="121900" tIns="121900" rIns="121900" bIns="121900" anchor="t" anchorCtr="0">
-            <a:noAutofit/>
-          </a:bodyPr>
-          <a:lstStyle/>
-          <a:p>
-            <a:pPr lvl="0" rtl="0">
-              <a:spcBef>
-                <a:spcPts val="0"/>
-              </a:spcBef>
-              <a:buClr>
-                <a:schemeClr val="dk1"/>
-              </a:buClr>
-              <a:buSzPct val="46000"/>
-              <a:buFont typeface="Arial" panose="020B0604020202020204"/>
-              <a:buNone/>
-            </a:pPr>
+          <a:bodyPr/>
+          <a:p>
             <a:r>
-              <a:rPr lang="en-GB"/>
-              <a:t>Special thanks to all the people who made and released these awesome resources for free:</a:t>
+              <a:rPr lang="en-US" altLang="zh-CN"/>
+              <a:t>Serial output</a:t>
             </a:r>
-            <a:endParaRPr lang="en-GB"/>
-          </a:p>
-          <a:p>
-            <a:pPr marL="457200" lvl="0" indent="-228600" rtl="0">
-              <a:lnSpc>
-                <a:spcPct val="115000"/>
-              </a:lnSpc>
-              <a:spcBef>
-                <a:spcPts val="0"/>
-              </a:spcBef>
-              <a:buClr>
-                <a:srgbClr val="000000"/>
-              </a:buClr>
-            </a:pPr>
+            <a:endParaRPr lang="en-US" altLang="zh-CN"/>
+          </a:p>
+        </p:txBody>
+      </p:sp>
+      <p:sp>
+        <p:nvSpPr>
+          <p:cNvPr id="3" name="文本占位符 2"/>
+          <p:cNvSpPr/>
+          <p:nvPr>
+            <p:ph type="body" idx="1"/>
+          </p:nvPr>
+        </p:nvSpPr>
+        <p:spPr/>
+        <p:txBody>
+          <a:bodyPr/>
+          <a:p>
             <a:r>
-              <a:rPr lang="en-GB"/>
-              <a:t>Presentation template by </a:t>
+              <a:rPr lang="en-US" altLang="zh-CN"/>
+              <a:t>Serial.println() can be useful for debugging.</a:t>
             </a:r>
+            <a:endParaRPr lang="en-US" altLang="zh-CN"/>
+          </a:p>
+          <a:p>
             <a:r>
-              <a:rPr lang="en-GB" u="sng">
-                <a:highlight>
-                  <a:srgbClr val="FFCD00"/>
-                </a:highlight>
-                <a:hlinkClick r:id="rId1"/>
-              </a:rPr>
-              <a:t>SlidesCarnival</a:t>
+              <a:rPr lang="en-US" altLang="zh-CN"/>
+              <a:t>Tools -&gt; Serial Monitor for the serial command line.</a:t>
             </a:r>
-            <a:endParaRPr lang="en-GB" u="sng">
-              <a:highlight>
-                <a:srgbClr val="FFCD00"/>
-              </a:highlight>
-            </a:endParaRPr>
-          </a:p>
-          <a:p>
-            <a:pPr marL="457200" lvl="0" indent="-228600" rtl="0">
-              <a:lnSpc>
-                <a:spcPct val="115000"/>
-              </a:lnSpc>
-              <a:spcBef>
-                <a:spcPts val="0"/>
-              </a:spcBef>
-              <a:buClr>
-                <a:srgbClr val="000000"/>
-              </a:buClr>
-            </a:pPr>
+            <a:endParaRPr lang="en-US" altLang="zh-CN"/>
+          </a:p>
+          <a:p>
             <a:r>
-              <a:rPr lang="en-GB"/>
-              <a:t>Photographs by </a:t>
+              <a:rPr lang="en-US" altLang="zh-CN"/>
+              <a:t>Pin 0(RX) and 1(TX) will be occupied; beware!</a:t>
             </a:r>
-            <a:r>
-              <a:rPr lang="en-GB" u="sng">
-                <a:highlight>
-                  <a:srgbClr val="FFCD00"/>
-                </a:highlight>
-                <a:hlinkClick r:id="rId2"/>
-              </a:rPr>
-              <a:t>Unsplash</a:t>
-            </a:r>
-            <a:endParaRPr lang="en-GB" u="sng">
-              <a:highlight>
-                <a:srgbClr val="FFCD00"/>
-              </a:highlight>
-            </a:endParaRPr>
-          </a:p>
-          <a:p>
-            <a:pPr lvl="0">
-              <a:spcBef>
-                <a:spcPts val="0"/>
-              </a:spcBef>
-              <a:buNone/>
-            </a:pPr>
+            <a:endParaRPr lang="en-US" altLang="zh-CN"/>
           </a:p>
         </p:txBody>
       </p:sp>
-      <p:grpSp>
-        <p:nvGrpSpPr>
-          <p:cNvPr id="390" name="Shape 390"/>
-          <p:cNvGrpSpPr/>
-          <p:nvPr/>
-        </p:nvGrpSpPr>
-        <p:grpSpPr>
-          <a:xfrm>
-            <a:off x="1221944" y="1359667"/>
-            <a:ext cx="286165" cy="286165"/>
-            <a:chOff x="2594050" y="1631825"/>
-            <a:chExt cx="439625" cy="439625"/>
-          </a:xfrm>
-        </p:grpSpPr>
-        <p:sp>
-          <p:nvSpPr>
-            <p:cNvPr id="391" name="Shape 391"/>
-            <p:cNvSpPr/>
-            <p:nvPr/>
-          </p:nvSpPr>
-          <p:spPr>
-            <a:xfrm>
-              <a:off x="2594050" y="1883300"/>
-              <a:ext cx="188175" cy="188150"/>
-            </a:xfrm>
-            <a:custGeom>
-              <a:avLst/>
-              <a:gdLst/>
-              <a:ahLst/>
-              <a:cxnLst/>
-              <a:pathLst>
-                <a:path w="7527" h="7526" fill="none" extrusionOk="0">
-                  <a:moveTo>
-                    <a:pt x="5992" y="0"/>
-                  </a:moveTo>
-                  <a:lnTo>
-                    <a:pt x="537" y="6430"/>
-                  </a:lnTo>
-                  <a:lnTo>
-                    <a:pt x="1" y="7526"/>
-                  </a:lnTo>
-                  <a:lnTo>
-                    <a:pt x="1097" y="6990"/>
-                  </a:lnTo>
-                  <a:lnTo>
-                    <a:pt x="7526" y="1534"/>
-                  </a:lnTo>
-                  <a:lnTo>
-                    <a:pt x="5992" y="0"/>
-                  </a:lnTo>
-                  <a:close/>
-                </a:path>
-              </a:pathLst>
-            </a:custGeom>
-            <a:noFill/>
-            <a:ln w="9525" cap="rnd" cmpd="sng">
-              <a:solidFill>
-                <a:srgbClr val="000000"/>
-              </a:solidFill>
-              <a:prstDash val="solid"/>
-              <a:round/>
-              <a:headEnd type="none" w="med" len="med"/>
-              <a:tailEnd type="none" w="med" len="med"/>
-            </a:ln>
-          </p:spPr>
-          <p:txBody>
-            <a:bodyPr lIns="121900" tIns="121900" rIns="121900" bIns="121900" anchor="ctr" anchorCtr="0">
-              <a:noAutofit/>
-            </a:bodyPr>
-            <a:lstStyle/>
-            <a:p>
-              <a:pPr lvl="0">
-                <a:spcBef>
-                  <a:spcPts val="0"/>
-                </a:spcBef>
-                <a:buNone/>
-              </a:pPr>
-              <a:endParaRPr sz="2400"/>
-            </a:p>
-          </p:txBody>
-        </p:sp>
-        <p:sp>
-          <p:nvSpPr>
-            <p:cNvPr id="392" name="Shape 392"/>
-            <p:cNvSpPr/>
-            <p:nvPr/>
-          </p:nvSpPr>
-          <p:spPr>
-            <a:xfrm>
-              <a:off x="2857700" y="1631825"/>
-              <a:ext cx="175975" cy="176000"/>
-            </a:xfrm>
-            <a:custGeom>
-              <a:avLst/>
-              <a:gdLst/>
-              <a:ahLst/>
-              <a:cxnLst/>
-              <a:pathLst>
-                <a:path w="7039" h="7040" fill="none" extrusionOk="0">
-                  <a:moveTo>
-                    <a:pt x="268" y="2704"/>
-                  </a:moveTo>
-                  <a:lnTo>
-                    <a:pt x="4336" y="6771"/>
-                  </a:lnTo>
-                  <a:lnTo>
-                    <a:pt x="4336" y="6771"/>
-                  </a:lnTo>
-                  <a:lnTo>
-                    <a:pt x="4336" y="6771"/>
-                  </a:lnTo>
-                  <a:lnTo>
-                    <a:pt x="4652" y="6917"/>
-                  </a:lnTo>
-                  <a:lnTo>
-                    <a:pt x="4993" y="7015"/>
-                  </a:lnTo>
-                  <a:lnTo>
-                    <a:pt x="5310" y="7039"/>
-                  </a:lnTo>
-                  <a:lnTo>
-                    <a:pt x="5651" y="7039"/>
-                  </a:lnTo>
-                  <a:lnTo>
-                    <a:pt x="5992" y="6966"/>
-                  </a:lnTo>
-                  <a:lnTo>
-                    <a:pt x="6308" y="6844"/>
-                  </a:lnTo>
-                  <a:lnTo>
-                    <a:pt x="6454" y="6747"/>
-                  </a:lnTo>
-                  <a:lnTo>
-                    <a:pt x="6601" y="6674"/>
-                  </a:lnTo>
-                  <a:lnTo>
-                    <a:pt x="6747" y="6552"/>
-                  </a:lnTo>
-                  <a:lnTo>
-                    <a:pt x="6893" y="6430"/>
-                  </a:lnTo>
-                  <a:lnTo>
-                    <a:pt x="6893" y="6430"/>
-                  </a:lnTo>
-                  <a:lnTo>
-                    <a:pt x="6942" y="6357"/>
-                  </a:lnTo>
-                  <a:lnTo>
-                    <a:pt x="7015" y="6260"/>
-                  </a:lnTo>
-                  <a:lnTo>
-                    <a:pt x="7039" y="6138"/>
-                  </a:lnTo>
-                  <a:lnTo>
-                    <a:pt x="7039" y="6041"/>
-                  </a:lnTo>
-                  <a:lnTo>
-                    <a:pt x="7039" y="6041"/>
-                  </a:lnTo>
-                  <a:lnTo>
-                    <a:pt x="7039" y="5943"/>
-                  </a:lnTo>
-                  <a:lnTo>
-                    <a:pt x="7015" y="5846"/>
-                  </a:lnTo>
-                  <a:lnTo>
-                    <a:pt x="6942" y="5748"/>
-                  </a:lnTo>
-                  <a:lnTo>
-                    <a:pt x="6893" y="5651"/>
-                  </a:lnTo>
-                  <a:lnTo>
-                    <a:pt x="1389" y="147"/>
-                  </a:lnTo>
-                  <a:lnTo>
-                    <a:pt x="1389" y="147"/>
-                  </a:lnTo>
-                  <a:lnTo>
-                    <a:pt x="1291" y="98"/>
-                  </a:lnTo>
-                  <a:lnTo>
-                    <a:pt x="1194" y="25"/>
-                  </a:lnTo>
-                  <a:lnTo>
-                    <a:pt x="1096" y="0"/>
-                  </a:lnTo>
-                  <a:lnTo>
-                    <a:pt x="999" y="0"/>
-                  </a:lnTo>
-                  <a:lnTo>
-                    <a:pt x="999" y="0"/>
-                  </a:lnTo>
-                  <a:lnTo>
-                    <a:pt x="902" y="0"/>
-                  </a:lnTo>
-                  <a:lnTo>
-                    <a:pt x="780" y="25"/>
-                  </a:lnTo>
-                  <a:lnTo>
-                    <a:pt x="682" y="98"/>
-                  </a:lnTo>
-                  <a:lnTo>
-                    <a:pt x="609" y="147"/>
-                  </a:lnTo>
-                  <a:lnTo>
-                    <a:pt x="609" y="147"/>
-                  </a:lnTo>
-                  <a:lnTo>
-                    <a:pt x="487" y="293"/>
-                  </a:lnTo>
-                  <a:lnTo>
-                    <a:pt x="366" y="439"/>
-                  </a:lnTo>
-                  <a:lnTo>
-                    <a:pt x="293" y="585"/>
-                  </a:lnTo>
-                  <a:lnTo>
-                    <a:pt x="195" y="731"/>
-                  </a:lnTo>
-                  <a:lnTo>
-                    <a:pt x="73" y="1048"/>
-                  </a:lnTo>
-                  <a:lnTo>
-                    <a:pt x="0" y="1389"/>
-                  </a:lnTo>
-                  <a:lnTo>
-                    <a:pt x="0" y="1730"/>
-                  </a:lnTo>
-                  <a:lnTo>
-                    <a:pt x="25" y="2046"/>
-                  </a:lnTo>
-                  <a:lnTo>
-                    <a:pt x="122" y="2387"/>
-                  </a:lnTo>
-                  <a:lnTo>
-                    <a:pt x="268" y="2704"/>
-                  </a:lnTo>
-                  <a:lnTo>
-                    <a:pt x="268" y="2704"/>
-                  </a:lnTo>
-                  <a:close/>
-                </a:path>
-              </a:pathLst>
-            </a:custGeom>
-            <a:noFill/>
-            <a:ln w="9525" cap="rnd" cmpd="sng">
-              <a:solidFill>
-                <a:srgbClr val="000000"/>
-              </a:solidFill>
-              <a:prstDash val="solid"/>
-              <a:round/>
-              <a:headEnd type="none" w="med" len="med"/>
-              <a:tailEnd type="none" w="med" len="med"/>
-            </a:ln>
-          </p:spPr>
-          <p:txBody>
-            <a:bodyPr lIns="121900" tIns="121900" rIns="121900" bIns="121900" anchor="ctr" anchorCtr="0">
-              <a:noAutofit/>
-            </a:bodyPr>
-            <a:lstStyle/>
-            <a:p>
-              <a:pPr lvl="0">
-                <a:spcBef>
-                  <a:spcPts val="0"/>
-                </a:spcBef>
-                <a:buNone/>
-              </a:pPr>
-              <a:endParaRPr sz="2400"/>
-            </a:p>
-          </p:txBody>
-        </p:sp>
-        <p:sp>
-          <p:nvSpPr>
-            <p:cNvPr id="393" name="Shape 393"/>
-            <p:cNvSpPr/>
-            <p:nvPr/>
-          </p:nvSpPr>
-          <p:spPr>
-            <a:xfrm>
-              <a:off x="2662850" y="1699400"/>
-              <a:ext cx="303250" cy="303250"/>
-            </a:xfrm>
-            <a:custGeom>
-              <a:avLst/>
-              <a:gdLst/>
-              <a:ahLst/>
-              <a:cxnLst/>
-              <a:pathLst>
-                <a:path w="12130" h="12130" fill="none" extrusionOk="0">
-                  <a:moveTo>
-                    <a:pt x="8038" y="1"/>
-                  </a:moveTo>
-                  <a:lnTo>
-                    <a:pt x="4872" y="3191"/>
-                  </a:lnTo>
-                  <a:lnTo>
-                    <a:pt x="4872" y="3191"/>
-                  </a:lnTo>
-                  <a:lnTo>
-                    <a:pt x="4628" y="3094"/>
-                  </a:lnTo>
-                  <a:lnTo>
-                    <a:pt x="4385" y="2997"/>
-                  </a:lnTo>
-                  <a:lnTo>
-                    <a:pt x="4092" y="2899"/>
-                  </a:lnTo>
-                  <a:lnTo>
-                    <a:pt x="3800" y="2850"/>
-                  </a:lnTo>
-                  <a:lnTo>
-                    <a:pt x="3484" y="2777"/>
-                  </a:lnTo>
-                  <a:lnTo>
-                    <a:pt x="3167" y="2729"/>
-                  </a:lnTo>
-                  <a:lnTo>
-                    <a:pt x="2850" y="2704"/>
-                  </a:lnTo>
-                  <a:lnTo>
-                    <a:pt x="2534" y="2704"/>
-                  </a:lnTo>
-                  <a:lnTo>
-                    <a:pt x="2534" y="2704"/>
-                  </a:lnTo>
-                  <a:lnTo>
-                    <a:pt x="2241" y="2704"/>
-                  </a:lnTo>
-                  <a:lnTo>
-                    <a:pt x="1949" y="2729"/>
-                  </a:lnTo>
-                  <a:lnTo>
-                    <a:pt x="1633" y="2777"/>
-                  </a:lnTo>
-                  <a:lnTo>
-                    <a:pt x="1316" y="2850"/>
-                  </a:lnTo>
-                  <a:lnTo>
-                    <a:pt x="999" y="2972"/>
-                  </a:lnTo>
-                  <a:lnTo>
-                    <a:pt x="707" y="3094"/>
-                  </a:lnTo>
-                  <a:lnTo>
-                    <a:pt x="415" y="3289"/>
-                  </a:lnTo>
-                  <a:lnTo>
-                    <a:pt x="147" y="3508"/>
-                  </a:lnTo>
-                  <a:lnTo>
-                    <a:pt x="147" y="3508"/>
-                  </a:lnTo>
-                  <a:lnTo>
-                    <a:pt x="74" y="3581"/>
-                  </a:lnTo>
-                  <a:lnTo>
-                    <a:pt x="25" y="3678"/>
-                  </a:lnTo>
-                  <a:lnTo>
-                    <a:pt x="1" y="3776"/>
-                  </a:lnTo>
-                  <a:lnTo>
-                    <a:pt x="1" y="3898"/>
-                  </a:lnTo>
-                  <a:lnTo>
-                    <a:pt x="1" y="3898"/>
-                  </a:lnTo>
-                  <a:lnTo>
-                    <a:pt x="1" y="3995"/>
-                  </a:lnTo>
-                  <a:lnTo>
-                    <a:pt x="25" y="4093"/>
-                  </a:lnTo>
-                  <a:lnTo>
-                    <a:pt x="74" y="4190"/>
-                  </a:lnTo>
-                  <a:lnTo>
-                    <a:pt x="147" y="4287"/>
-                  </a:lnTo>
-                  <a:lnTo>
-                    <a:pt x="7843" y="11984"/>
-                  </a:lnTo>
-                  <a:lnTo>
-                    <a:pt x="7843" y="11984"/>
-                  </a:lnTo>
-                  <a:lnTo>
-                    <a:pt x="7941" y="12057"/>
-                  </a:lnTo>
-                  <a:lnTo>
-                    <a:pt x="8038" y="12105"/>
-                  </a:lnTo>
-                  <a:lnTo>
-                    <a:pt x="8135" y="12130"/>
-                  </a:lnTo>
-                  <a:lnTo>
-                    <a:pt x="8233" y="12130"/>
-                  </a:lnTo>
-                  <a:lnTo>
-                    <a:pt x="8233" y="12130"/>
-                  </a:lnTo>
-                  <a:lnTo>
-                    <a:pt x="8355" y="12130"/>
-                  </a:lnTo>
-                  <a:lnTo>
-                    <a:pt x="8452" y="12105"/>
-                  </a:lnTo>
-                  <a:lnTo>
-                    <a:pt x="8549" y="12057"/>
-                  </a:lnTo>
-                  <a:lnTo>
-                    <a:pt x="8622" y="11984"/>
-                  </a:lnTo>
-                  <a:lnTo>
-                    <a:pt x="8622" y="11984"/>
-                  </a:lnTo>
-                  <a:lnTo>
-                    <a:pt x="8842" y="11716"/>
-                  </a:lnTo>
-                  <a:lnTo>
-                    <a:pt x="9036" y="11423"/>
-                  </a:lnTo>
-                  <a:lnTo>
-                    <a:pt x="9158" y="11131"/>
-                  </a:lnTo>
-                  <a:lnTo>
-                    <a:pt x="9280" y="10814"/>
-                  </a:lnTo>
-                  <a:lnTo>
-                    <a:pt x="9353" y="10498"/>
-                  </a:lnTo>
-                  <a:lnTo>
-                    <a:pt x="9402" y="10181"/>
-                  </a:lnTo>
-                  <a:lnTo>
-                    <a:pt x="9426" y="9889"/>
-                  </a:lnTo>
-                  <a:lnTo>
-                    <a:pt x="9426" y="9597"/>
-                  </a:lnTo>
-                  <a:lnTo>
-                    <a:pt x="9426" y="9597"/>
-                  </a:lnTo>
-                  <a:lnTo>
-                    <a:pt x="9426" y="9280"/>
-                  </a:lnTo>
-                  <a:lnTo>
-                    <a:pt x="9402" y="8964"/>
-                  </a:lnTo>
-                  <a:lnTo>
-                    <a:pt x="9353" y="8647"/>
-                  </a:lnTo>
-                  <a:lnTo>
-                    <a:pt x="9280" y="8330"/>
-                  </a:lnTo>
-                  <a:lnTo>
-                    <a:pt x="9231" y="8038"/>
-                  </a:lnTo>
-                  <a:lnTo>
-                    <a:pt x="9134" y="7746"/>
-                  </a:lnTo>
-                  <a:lnTo>
-                    <a:pt x="9036" y="7502"/>
-                  </a:lnTo>
-                  <a:lnTo>
-                    <a:pt x="8939" y="7259"/>
-                  </a:lnTo>
-                  <a:lnTo>
-                    <a:pt x="12130" y="4093"/>
-                  </a:lnTo>
-                </a:path>
-              </a:pathLst>
-            </a:custGeom>
-            <a:noFill/>
-            <a:ln w="9525" cap="rnd" cmpd="sng">
-              <a:solidFill>
-                <a:srgbClr val="000000"/>
-              </a:solidFill>
-              <a:prstDash val="solid"/>
-              <a:round/>
-              <a:headEnd type="none" w="med" len="med"/>
-              <a:tailEnd type="none" w="med" len="med"/>
-            </a:ln>
-          </p:spPr>
-          <p:txBody>
-            <a:bodyPr lIns="121900" tIns="121900" rIns="121900" bIns="121900" anchor="ctr" anchorCtr="0">
-              <a:noAutofit/>
-            </a:bodyPr>
-            <a:lstStyle/>
-            <a:p>
-              <a:pPr lvl="0">
-                <a:spcBef>
-                  <a:spcPts val="0"/>
-                </a:spcBef>
-                <a:buNone/>
-              </a:pPr>
-              <a:endParaRPr sz="2400"/>
-            </a:p>
-          </p:txBody>
-        </p:sp>
-        <p:sp>
-          <p:nvSpPr>
-            <p:cNvPr id="394" name="Shape 394"/>
-            <p:cNvSpPr/>
-            <p:nvPr/>
-          </p:nvSpPr>
-          <p:spPr>
-            <a:xfrm>
-              <a:off x="2814911" y="1754061"/>
-              <a:ext cx="49950" cy="49950"/>
-            </a:xfrm>
-            <a:custGeom>
-              <a:avLst/>
-              <a:gdLst/>
-              <a:ahLst/>
-              <a:cxnLst/>
-              <a:pathLst>
-                <a:path w="1998" h="1998" fill="none" extrusionOk="0">
-                  <a:moveTo>
-                    <a:pt x="1" y="1997"/>
-                  </a:moveTo>
-                  <a:lnTo>
-                    <a:pt x="1998" y="0"/>
-                  </a:lnTo>
-                </a:path>
-              </a:pathLst>
-            </a:custGeom>
-            <a:noFill/>
-            <a:ln w="9525" cap="rnd" cmpd="sng">
-              <a:solidFill>
-                <a:srgbClr val="000000"/>
-              </a:solidFill>
-              <a:prstDash val="solid"/>
-              <a:round/>
-              <a:headEnd type="none" w="med" len="med"/>
-              <a:tailEnd type="none" w="med" len="med"/>
-            </a:ln>
-          </p:spPr>
-          <p:txBody>
-            <a:bodyPr lIns="121900" tIns="121900" rIns="121900" bIns="121900" anchor="ctr" anchorCtr="0">
-              <a:noAutofit/>
-            </a:bodyPr>
-            <a:lstStyle/>
-            <a:p>
-              <a:pPr lvl="0">
-                <a:spcBef>
-                  <a:spcPts val="0"/>
-                </a:spcBef>
-                <a:buNone/>
-              </a:pPr>
-              <a:endParaRPr sz="2400"/>
-            </a:p>
-          </p:txBody>
-        </p:sp>
-      </p:grpSp>
     </p:spTree>
   </p:cSld>
   <p:clrMapOvr>
@@ -6785,6 +6801,946 @@
 </p:sld>
 </file>
 
+<file path=ppt/slides/slide20.xml><?xml version="1.0" encoding="utf-8"?>
+<p:sld xmlns:a="http://schemas.openxmlformats.org/drawingml/2006/main" xmlns:r="http://schemas.openxmlformats.org/officeDocument/2006/relationships" xmlns:p="http://schemas.openxmlformats.org/presentationml/2006/main">
+  <p:cSld>
+    <p:spTree>
+      <p:nvGrpSpPr>
+        <p:cNvPr id="98" name="Shape 98"/>
+        <p:cNvGrpSpPr/>
+        <p:nvPr/>
+      </p:nvGrpSpPr>
+      <p:grpSpPr>
+        <a:xfrm>
+          <a:off x="0" y="0"/>
+          <a:ext cx="0" cy="0"/>
+          <a:chOff x="0" y="0"/>
+          <a:chExt cx="0" cy="0"/>
+        </a:xfrm>
+      </p:grpSpPr>
+      <p:sp>
+        <p:nvSpPr>
+          <p:cNvPr id="99" name="Shape 99"/>
+          <p:cNvSpPr txBox="1"/>
+          <p:nvPr>
+            <p:ph type="ctrTitle"/>
+          </p:nvPr>
+        </p:nvSpPr>
+        <p:spPr>
+          <a:xfrm>
+            <a:off x="2696300" y="2258031"/>
+            <a:ext cx="5050399" cy="1546399"/>
+          </a:xfrm>
+          <a:prstGeom prst="rect">
+            <a:avLst/>
+          </a:prstGeom>
+        </p:spPr>
+        <p:txBody>
+          <a:bodyPr lIns="121900" tIns="121900" rIns="121900" bIns="121900" anchor="b" anchorCtr="0">
+            <a:noAutofit/>
+          </a:bodyPr>
+          <a:lstStyle/>
+          <a:p>
+            <a:pPr lvl="0" rtl="0">
+              <a:spcBef>
+                <a:spcPts val="0"/>
+              </a:spcBef>
+              <a:buNone/>
+            </a:pPr>
+            <a:r>
+              <a:rPr lang="en-US" altLang="en-GB"/>
+              <a:t>Using EEPROM</a:t>
+            </a:r>
+            <a:endParaRPr lang="en-US" altLang="en-GB"/>
+          </a:p>
+        </p:txBody>
+      </p:sp>
+      <p:sp>
+        <p:nvSpPr>
+          <p:cNvPr id="100" name="Shape 100"/>
+          <p:cNvSpPr txBox="1"/>
+          <p:nvPr>
+            <p:ph type="subTitle" idx="1"/>
+          </p:nvPr>
+        </p:nvSpPr>
+        <p:spPr>
+          <a:xfrm>
+            <a:off x="2696400" y="3754564"/>
+            <a:ext cx="7455200" cy="1046399"/>
+          </a:xfrm>
+          <a:prstGeom prst="rect">
+            <a:avLst/>
+          </a:prstGeom>
+        </p:spPr>
+        <p:txBody>
+          <a:bodyPr lIns="121900" tIns="121900" rIns="121900" bIns="121900" anchor="t" anchorCtr="0">
+            <a:noAutofit/>
+          </a:bodyPr>
+          <a:lstStyle/>
+          <a:p>
+            <a:pPr lvl="0" rtl="0">
+              <a:spcBef>
+                <a:spcPts val="0"/>
+              </a:spcBef>
+              <a:buNone/>
+            </a:pPr>
+            <a:r>
+              <a:rPr lang="en-US" altLang="en-GB"/>
+              <a:t>Store essential information on the board</a:t>
+            </a:r>
+            <a:endParaRPr lang="en-US" altLang="en-GB"/>
+          </a:p>
+        </p:txBody>
+      </p:sp>
+      <p:sp>
+        <p:nvSpPr>
+          <p:cNvPr id="101" name="Shape 101"/>
+          <p:cNvSpPr txBox="1"/>
+          <p:nvPr/>
+        </p:nvSpPr>
+        <p:spPr>
+          <a:xfrm>
+            <a:off x="1511967" y="3054867"/>
+            <a:ext cx="725199" cy="749599"/>
+          </a:xfrm>
+          <a:prstGeom prst="rect">
+            <a:avLst/>
+          </a:prstGeom>
+          <a:noFill/>
+          <a:ln>
+            <a:noFill/>
+          </a:ln>
+        </p:spPr>
+        <p:txBody>
+          <a:bodyPr lIns="121900" tIns="121900" rIns="121900" bIns="121900" anchor="ctr" anchorCtr="0">
+            <a:noAutofit/>
+          </a:bodyPr>
+          <a:lstStyle/>
+          <a:p>
+            <a:pPr lvl="0" algn="ctr">
+              <a:spcBef>
+                <a:spcPts val="0"/>
+              </a:spcBef>
+              <a:buNone/>
+            </a:pPr>
+            <a:r>
+              <a:rPr lang="en-US" altLang="en-GB" sz="3200">
+                <a:solidFill>
+                  <a:schemeClr val="dk1"/>
+                </a:solidFill>
+                <a:latin typeface="Lora" panose="00000500000000000000"/>
+                <a:ea typeface="Lora" panose="00000500000000000000"/>
+                <a:cs typeface="Lora" panose="00000500000000000000"/>
+                <a:sym typeface="Lora" panose="00000500000000000000"/>
+              </a:rPr>
+              <a:t>3</a:t>
+            </a:r>
+            <a:endParaRPr lang="en-US" altLang="en-GB" sz="3200">
+              <a:solidFill>
+                <a:schemeClr val="dk1"/>
+              </a:solidFill>
+              <a:latin typeface="Lora" panose="00000500000000000000"/>
+              <a:ea typeface="Lora" panose="00000500000000000000"/>
+              <a:cs typeface="Lora" panose="00000500000000000000"/>
+              <a:sym typeface="Lora" panose="00000500000000000000"/>
+            </a:endParaRPr>
+          </a:p>
+        </p:txBody>
+      </p:sp>
+    </p:spTree>
+  </p:cSld>
+  <p:clrMapOvr>
+    <a:masterClrMapping/>
+  </p:clrMapOvr>
+</p:sld>
+</file>
+
+<file path=ppt/slides/slide21.xml><?xml version="1.0" encoding="utf-8"?>
+<p:sld xmlns:a="http://schemas.openxmlformats.org/drawingml/2006/main" xmlns:r="http://schemas.openxmlformats.org/officeDocument/2006/relationships" xmlns:p="http://schemas.openxmlformats.org/presentationml/2006/main">
+  <p:cSld>
+    <p:spTree>
+      <p:nvGrpSpPr>
+        <p:cNvPr id="1" name=""/>
+        <p:cNvGrpSpPr/>
+        <p:nvPr/>
+      </p:nvGrpSpPr>
+      <p:grpSpPr/>
+      <p:sp>
+        <p:nvSpPr>
+          <p:cNvPr id="2" name="标题 1"/>
+          <p:cNvSpPr/>
+          <p:nvPr>
+            <p:ph type="title"/>
+          </p:nvPr>
+        </p:nvSpPr>
+        <p:spPr/>
+        <p:txBody>
+          <a:bodyPr/>
+          <a:p>
+            <a:r>
+              <a:rPr lang="en-US" altLang="zh-CN"/>
+              <a:t>How to fine-tune my system?</a:t>
+            </a:r>
+            <a:endParaRPr lang="en-US" altLang="zh-CN"/>
+          </a:p>
+        </p:txBody>
+      </p:sp>
+      <p:sp>
+        <p:nvSpPr>
+          <p:cNvPr id="3" name="文本占位符 2"/>
+          <p:cNvSpPr/>
+          <p:nvPr>
+            <p:ph type="body" idx="1"/>
+          </p:nvPr>
+        </p:nvSpPr>
+        <p:spPr/>
+        <p:txBody>
+          <a:bodyPr/>
+          <a:p>
+            <a:r>
+              <a:rPr lang="en-US" altLang="zh-CN"/>
+              <a:t>Sometimes you need to set a few parameters</a:t>
+            </a:r>
+            <a:endParaRPr lang="en-US" altLang="zh-CN"/>
+          </a:p>
+        </p:txBody>
+      </p:sp>
+    </p:spTree>
+  </p:cSld>
+  <p:clrMapOvr>
+    <a:masterClrMapping/>
+  </p:clrMapOvr>
+</p:sld>
+</file>
+
+<file path=ppt/slides/slide22.xml><?xml version="1.0" encoding="utf-8"?>
+<p:sld xmlns:a="http://schemas.openxmlformats.org/drawingml/2006/main" xmlns:r="http://schemas.openxmlformats.org/officeDocument/2006/relationships" xmlns:p="http://schemas.openxmlformats.org/presentationml/2006/main">
+  <p:cSld>
+    <p:spTree>
+      <p:nvGrpSpPr>
+        <p:cNvPr id="387" name="Shape 387"/>
+        <p:cNvGrpSpPr/>
+        <p:nvPr/>
+      </p:nvGrpSpPr>
+      <p:grpSpPr>
+        <a:xfrm>
+          <a:off x="0" y="0"/>
+          <a:ext cx="0" cy="0"/>
+          <a:chOff x="0" y="0"/>
+          <a:chExt cx="0" cy="0"/>
+        </a:xfrm>
+      </p:grpSpPr>
+      <p:sp>
+        <p:nvSpPr>
+          <p:cNvPr id="388" name="Shape 388"/>
+          <p:cNvSpPr txBox="1"/>
+          <p:nvPr>
+            <p:ph type="title"/>
+          </p:nvPr>
+        </p:nvSpPr>
+        <p:spPr>
+          <a:xfrm>
+            <a:off x="1841667" y="1230224"/>
+            <a:ext cx="5171199" cy="580799"/>
+          </a:xfrm>
+          <a:prstGeom prst="rect">
+            <a:avLst/>
+          </a:prstGeom>
+        </p:spPr>
+        <p:txBody>
+          <a:bodyPr lIns="121900" tIns="121900" rIns="121900" bIns="121900" anchor="ctr" anchorCtr="0">
+            <a:noAutofit/>
+          </a:bodyPr>
+          <a:lstStyle/>
+          <a:p>
+            <a:pPr lvl="0">
+              <a:spcBef>
+                <a:spcPts val="0"/>
+              </a:spcBef>
+              <a:buNone/>
+            </a:pPr>
+            <a:r>
+              <a:rPr lang="en-GB"/>
+              <a:t>Credits</a:t>
+            </a:r>
+            <a:endParaRPr lang="en-GB"/>
+          </a:p>
+        </p:txBody>
+      </p:sp>
+      <p:sp>
+        <p:nvSpPr>
+          <p:cNvPr id="389" name="Shape 389"/>
+          <p:cNvSpPr txBox="1"/>
+          <p:nvPr>
+            <p:ph type="body" idx="1"/>
+          </p:nvPr>
+        </p:nvSpPr>
+        <p:spPr>
+          <a:xfrm>
+            <a:off x="1841667" y="2155293"/>
+            <a:ext cx="9079600" cy="4149600"/>
+          </a:xfrm>
+          <a:prstGeom prst="rect">
+            <a:avLst/>
+          </a:prstGeom>
+        </p:spPr>
+        <p:txBody>
+          <a:bodyPr lIns="121900" tIns="121900" rIns="121900" bIns="121900" anchor="t" anchorCtr="0">
+            <a:noAutofit/>
+          </a:bodyPr>
+          <a:lstStyle/>
+          <a:p>
+            <a:pPr lvl="0" rtl="0">
+              <a:spcBef>
+                <a:spcPts val="0"/>
+              </a:spcBef>
+              <a:buClr>
+                <a:schemeClr val="dk1"/>
+              </a:buClr>
+              <a:buSzPct val="46000"/>
+              <a:buFont typeface="Arial" panose="020B0604020202020204"/>
+              <a:buNone/>
+            </a:pPr>
+            <a:r>
+              <a:rPr lang="en-GB"/>
+              <a:t>Special thanks to all the people who made and released these awesome resources for free:</a:t>
+            </a:r>
+            <a:endParaRPr lang="en-GB"/>
+          </a:p>
+          <a:p>
+            <a:pPr marL="457200" lvl="0" indent="-228600" rtl="0">
+              <a:lnSpc>
+                <a:spcPct val="115000"/>
+              </a:lnSpc>
+              <a:spcBef>
+                <a:spcPts val="0"/>
+              </a:spcBef>
+              <a:buClr>
+                <a:srgbClr val="000000"/>
+              </a:buClr>
+            </a:pPr>
+            <a:r>
+              <a:rPr lang="en-GB"/>
+              <a:t>Presentation template by </a:t>
+            </a:r>
+            <a:r>
+              <a:rPr lang="en-GB" u="sng">
+                <a:highlight>
+                  <a:srgbClr val="FFCD00"/>
+                </a:highlight>
+                <a:hlinkClick r:id="rId1"/>
+              </a:rPr>
+              <a:t>SlidesCarnival</a:t>
+            </a:r>
+            <a:endParaRPr lang="en-GB" u="sng">
+              <a:highlight>
+                <a:srgbClr val="FFCD00"/>
+              </a:highlight>
+            </a:endParaRPr>
+          </a:p>
+          <a:p>
+            <a:pPr marL="457200" lvl="0" indent="-228600" rtl="0">
+              <a:lnSpc>
+                <a:spcPct val="115000"/>
+              </a:lnSpc>
+              <a:spcBef>
+                <a:spcPts val="0"/>
+              </a:spcBef>
+              <a:buClr>
+                <a:srgbClr val="000000"/>
+              </a:buClr>
+            </a:pPr>
+            <a:r>
+              <a:rPr lang="en-GB"/>
+              <a:t>Photographs by </a:t>
+            </a:r>
+            <a:r>
+              <a:rPr lang="en-GB" u="sng">
+                <a:highlight>
+                  <a:srgbClr val="FFCD00"/>
+                </a:highlight>
+                <a:hlinkClick r:id="rId2"/>
+              </a:rPr>
+              <a:t>Unsplash</a:t>
+            </a:r>
+            <a:endParaRPr lang="en-GB" u="sng">
+              <a:highlight>
+                <a:srgbClr val="FFCD00"/>
+              </a:highlight>
+            </a:endParaRPr>
+          </a:p>
+          <a:p>
+            <a:pPr lvl="0">
+              <a:spcBef>
+                <a:spcPts val="0"/>
+              </a:spcBef>
+              <a:buNone/>
+            </a:pPr>
+          </a:p>
+        </p:txBody>
+      </p:sp>
+      <p:grpSp>
+        <p:nvGrpSpPr>
+          <p:cNvPr id="390" name="Shape 390"/>
+          <p:cNvGrpSpPr/>
+          <p:nvPr/>
+        </p:nvGrpSpPr>
+        <p:grpSpPr>
+          <a:xfrm>
+            <a:off x="1221944" y="1359667"/>
+            <a:ext cx="286165" cy="286165"/>
+            <a:chOff x="2594050" y="1631825"/>
+            <a:chExt cx="439625" cy="439625"/>
+          </a:xfrm>
+        </p:grpSpPr>
+        <p:sp>
+          <p:nvSpPr>
+            <p:cNvPr id="391" name="Shape 391"/>
+            <p:cNvSpPr/>
+            <p:nvPr/>
+          </p:nvSpPr>
+          <p:spPr>
+            <a:xfrm>
+              <a:off x="2594050" y="1883300"/>
+              <a:ext cx="188175" cy="188150"/>
+            </a:xfrm>
+            <a:custGeom>
+              <a:avLst/>
+              <a:gdLst/>
+              <a:ahLst/>
+              <a:cxnLst/>
+              <a:pathLst>
+                <a:path w="7527" h="7526" fill="none" extrusionOk="0">
+                  <a:moveTo>
+                    <a:pt x="5992" y="0"/>
+                  </a:moveTo>
+                  <a:lnTo>
+                    <a:pt x="537" y="6430"/>
+                  </a:lnTo>
+                  <a:lnTo>
+                    <a:pt x="1" y="7526"/>
+                  </a:lnTo>
+                  <a:lnTo>
+                    <a:pt x="1097" y="6990"/>
+                  </a:lnTo>
+                  <a:lnTo>
+                    <a:pt x="7526" y="1534"/>
+                  </a:lnTo>
+                  <a:lnTo>
+                    <a:pt x="5992" y="0"/>
+                  </a:lnTo>
+                  <a:close/>
+                </a:path>
+              </a:pathLst>
+            </a:custGeom>
+            <a:noFill/>
+            <a:ln w="9525" cap="rnd" cmpd="sng">
+              <a:solidFill>
+                <a:srgbClr val="000000"/>
+              </a:solidFill>
+              <a:prstDash val="solid"/>
+              <a:round/>
+              <a:headEnd type="none" w="med" len="med"/>
+              <a:tailEnd type="none" w="med" len="med"/>
+            </a:ln>
+          </p:spPr>
+          <p:txBody>
+            <a:bodyPr lIns="121900" tIns="121900" rIns="121900" bIns="121900" anchor="ctr" anchorCtr="0">
+              <a:noAutofit/>
+            </a:bodyPr>
+            <a:lstStyle/>
+            <a:p>
+              <a:pPr lvl="0">
+                <a:spcBef>
+                  <a:spcPts val="0"/>
+                </a:spcBef>
+                <a:buNone/>
+              </a:pPr>
+              <a:endParaRPr sz="2400"/>
+            </a:p>
+          </p:txBody>
+        </p:sp>
+        <p:sp>
+          <p:nvSpPr>
+            <p:cNvPr id="392" name="Shape 392"/>
+            <p:cNvSpPr/>
+            <p:nvPr/>
+          </p:nvSpPr>
+          <p:spPr>
+            <a:xfrm>
+              <a:off x="2857700" y="1631825"/>
+              <a:ext cx="175975" cy="176000"/>
+            </a:xfrm>
+            <a:custGeom>
+              <a:avLst/>
+              <a:gdLst/>
+              <a:ahLst/>
+              <a:cxnLst/>
+              <a:pathLst>
+                <a:path w="7039" h="7040" fill="none" extrusionOk="0">
+                  <a:moveTo>
+                    <a:pt x="268" y="2704"/>
+                  </a:moveTo>
+                  <a:lnTo>
+                    <a:pt x="4336" y="6771"/>
+                  </a:lnTo>
+                  <a:lnTo>
+                    <a:pt x="4336" y="6771"/>
+                  </a:lnTo>
+                  <a:lnTo>
+                    <a:pt x="4336" y="6771"/>
+                  </a:lnTo>
+                  <a:lnTo>
+                    <a:pt x="4652" y="6917"/>
+                  </a:lnTo>
+                  <a:lnTo>
+                    <a:pt x="4993" y="7015"/>
+                  </a:lnTo>
+                  <a:lnTo>
+                    <a:pt x="5310" y="7039"/>
+                  </a:lnTo>
+                  <a:lnTo>
+                    <a:pt x="5651" y="7039"/>
+                  </a:lnTo>
+                  <a:lnTo>
+                    <a:pt x="5992" y="6966"/>
+                  </a:lnTo>
+                  <a:lnTo>
+                    <a:pt x="6308" y="6844"/>
+                  </a:lnTo>
+                  <a:lnTo>
+                    <a:pt x="6454" y="6747"/>
+                  </a:lnTo>
+                  <a:lnTo>
+                    <a:pt x="6601" y="6674"/>
+                  </a:lnTo>
+                  <a:lnTo>
+                    <a:pt x="6747" y="6552"/>
+                  </a:lnTo>
+                  <a:lnTo>
+                    <a:pt x="6893" y="6430"/>
+                  </a:lnTo>
+                  <a:lnTo>
+                    <a:pt x="6893" y="6430"/>
+                  </a:lnTo>
+                  <a:lnTo>
+                    <a:pt x="6942" y="6357"/>
+                  </a:lnTo>
+                  <a:lnTo>
+                    <a:pt x="7015" y="6260"/>
+                  </a:lnTo>
+                  <a:lnTo>
+                    <a:pt x="7039" y="6138"/>
+                  </a:lnTo>
+                  <a:lnTo>
+                    <a:pt x="7039" y="6041"/>
+                  </a:lnTo>
+                  <a:lnTo>
+                    <a:pt x="7039" y="6041"/>
+                  </a:lnTo>
+                  <a:lnTo>
+                    <a:pt x="7039" y="5943"/>
+                  </a:lnTo>
+                  <a:lnTo>
+                    <a:pt x="7015" y="5846"/>
+                  </a:lnTo>
+                  <a:lnTo>
+                    <a:pt x="6942" y="5748"/>
+                  </a:lnTo>
+                  <a:lnTo>
+                    <a:pt x="6893" y="5651"/>
+                  </a:lnTo>
+                  <a:lnTo>
+                    <a:pt x="1389" y="147"/>
+                  </a:lnTo>
+                  <a:lnTo>
+                    <a:pt x="1389" y="147"/>
+                  </a:lnTo>
+                  <a:lnTo>
+                    <a:pt x="1291" y="98"/>
+                  </a:lnTo>
+                  <a:lnTo>
+                    <a:pt x="1194" y="25"/>
+                  </a:lnTo>
+                  <a:lnTo>
+                    <a:pt x="1096" y="0"/>
+                  </a:lnTo>
+                  <a:lnTo>
+                    <a:pt x="999" y="0"/>
+                  </a:lnTo>
+                  <a:lnTo>
+                    <a:pt x="999" y="0"/>
+                  </a:lnTo>
+                  <a:lnTo>
+                    <a:pt x="902" y="0"/>
+                  </a:lnTo>
+                  <a:lnTo>
+                    <a:pt x="780" y="25"/>
+                  </a:lnTo>
+                  <a:lnTo>
+                    <a:pt x="682" y="98"/>
+                  </a:lnTo>
+                  <a:lnTo>
+                    <a:pt x="609" y="147"/>
+                  </a:lnTo>
+                  <a:lnTo>
+                    <a:pt x="609" y="147"/>
+                  </a:lnTo>
+                  <a:lnTo>
+                    <a:pt x="487" y="293"/>
+                  </a:lnTo>
+                  <a:lnTo>
+                    <a:pt x="366" y="439"/>
+                  </a:lnTo>
+                  <a:lnTo>
+                    <a:pt x="293" y="585"/>
+                  </a:lnTo>
+                  <a:lnTo>
+                    <a:pt x="195" y="731"/>
+                  </a:lnTo>
+                  <a:lnTo>
+                    <a:pt x="73" y="1048"/>
+                  </a:lnTo>
+                  <a:lnTo>
+                    <a:pt x="0" y="1389"/>
+                  </a:lnTo>
+                  <a:lnTo>
+                    <a:pt x="0" y="1730"/>
+                  </a:lnTo>
+                  <a:lnTo>
+                    <a:pt x="25" y="2046"/>
+                  </a:lnTo>
+                  <a:lnTo>
+                    <a:pt x="122" y="2387"/>
+                  </a:lnTo>
+                  <a:lnTo>
+                    <a:pt x="268" y="2704"/>
+                  </a:lnTo>
+                  <a:lnTo>
+                    <a:pt x="268" y="2704"/>
+                  </a:lnTo>
+                  <a:close/>
+                </a:path>
+              </a:pathLst>
+            </a:custGeom>
+            <a:noFill/>
+            <a:ln w="9525" cap="rnd" cmpd="sng">
+              <a:solidFill>
+                <a:srgbClr val="000000"/>
+              </a:solidFill>
+              <a:prstDash val="solid"/>
+              <a:round/>
+              <a:headEnd type="none" w="med" len="med"/>
+              <a:tailEnd type="none" w="med" len="med"/>
+            </a:ln>
+          </p:spPr>
+          <p:txBody>
+            <a:bodyPr lIns="121900" tIns="121900" rIns="121900" bIns="121900" anchor="ctr" anchorCtr="0">
+              <a:noAutofit/>
+            </a:bodyPr>
+            <a:lstStyle/>
+            <a:p>
+              <a:pPr lvl="0">
+                <a:spcBef>
+                  <a:spcPts val="0"/>
+                </a:spcBef>
+                <a:buNone/>
+              </a:pPr>
+              <a:endParaRPr sz="2400"/>
+            </a:p>
+          </p:txBody>
+        </p:sp>
+        <p:sp>
+          <p:nvSpPr>
+            <p:cNvPr id="393" name="Shape 393"/>
+            <p:cNvSpPr/>
+            <p:nvPr/>
+          </p:nvSpPr>
+          <p:spPr>
+            <a:xfrm>
+              <a:off x="2662850" y="1699400"/>
+              <a:ext cx="303250" cy="303250"/>
+            </a:xfrm>
+            <a:custGeom>
+              <a:avLst/>
+              <a:gdLst/>
+              <a:ahLst/>
+              <a:cxnLst/>
+              <a:pathLst>
+                <a:path w="12130" h="12130" fill="none" extrusionOk="0">
+                  <a:moveTo>
+                    <a:pt x="8038" y="1"/>
+                  </a:moveTo>
+                  <a:lnTo>
+                    <a:pt x="4872" y="3191"/>
+                  </a:lnTo>
+                  <a:lnTo>
+                    <a:pt x="4872" y="3191"/>
+                  </a:lnTo>
+                  <a:lnTo>
+                    <a:pt x="4628" y="3094"/>
+                  </a:lnTo>
+                  <a:lnTo>
+                    <a:pt x="4385" y="2997"/>
+                  </a:lnTo>
+                  <a:lnTo>
+                    <a:pt x="4092" y="2899"/>
+                  </a:lnTo>
+                  <a:lnTo>
+                    <a:pt x="3800" y="2850"/>
+                  </a:lnTo>
+                  <a:lnTo>
+                    <a:pt x="3484" y="2777"/>
+                  </a:lnTo>
+                  <a:lnTo>
+                    <a:pt x="3167" y="2729"/>
+                  </a:lnTo>
+                  <a:lnTo>
+                    <a:pt x="2850" y="2704"/>
+                  </a:lnTo>
+                  <a:lnTo>
+                    <a:pt x="2534" y="2704"/>
+                  </a:lnTo>
+                  <a:lnTo>
+                    <a:pt x="2534" y="2704"/>
+                  </a:lnTo>
+                  <a:lnTo>
+                    <a:pt x="2241" y="2704"/>
+                  </a:lnTo>
+                  <a:lnTo>
+                    <a:pt x="1949" y="2729"/>
+                  </a:lnTo>
+                  <a:lnTo>
+                    <a:pt x="1633" y="2777"/>
+                  </a:lnTo>
+                  <a:lnTo>
+                    <a:pt x="1316" y="2850"/>
+                  </a:lnTo>
+                  <a:lnTo>
+                    <a:pt x="999" y="2972"/>
+                  </a:lnTo>
+                  <a:lnTo>
+                    <a:pt x="707" y="3094"/>
+                  </a:lnTo>
+                  <a:lnTo>
+                    <a:pt x="415" y="3289"/>
+                  </a:lnTo>
+                  <a:lnTo>
+                    <a:pt x="147" y="3508"/>
+                  </a:lnTo>
+                  <a:lnTo>
+                    <a:pt x="147" y="3508"/>
+                  </a:lnTo>
+                  <a:lnTo>
+                    <a:pt x="74" y="3581"/>
+                  </a:lnTo>
+                  <a:lnTo>
+                    <a:pt x="25" y="3678"/>
+                  </a:lnTo>
+                  <a:lnTo>
+                    <a:pt x="1" y="3776"/>
+                  </a:lnTo>
+                  <a:lnTo>
+                    <a:pt x="1" y="3898"/>
+                  </a:lnTo>
+                  <a:lnTo>
+                    <a:pt x="1" y="3898"/>
+                  </a:lnTo>
+                  <a:lnTo>
+                    <a:pt x="1" y="3995"/>
+                  </a:lnTo>
+                  <a:lnTo>
+                    <a:pt x="25" y="4093"/>
+                  </a:lnTo>
+                  <a:lnTo>
+                    <a:pt x="74" y="4190"/>
+                  </a:lnTo>
+                  <a:lnTo>
+                    <a:pt x="147" y="4287"/>
+                  </a:lnTo>
+                  <a:lnTo>
+                    <a:pt x="7843" y="11984"/>
+                  </a:lnTo>
+                  <a:lnTo>
+                    <a:pt x="7843" y="11984"/>
+                  </a:lnTo>
+                  <a:lnTo>
+                    <a:pt x="7941" y="12057"/>
+                  </a:lnTo>
+                  <a:lnTo>
+                    <a:pt x="8038" y="12105"/>
+                  </a:lnTo>
+                  <a:lnTo>
+                    <a:pt x="8135" y="12130"/>
+                  </a:lnTo>
+                  <a:lnTo>
+                    <a:pt x="8233" y="12130"/>
+                  </a:lnTo>
+                  <a:lnTo>
+                    <a:pt x="8233" y="12130"/>
+                  </a:lnTo>
+                  <a:lnTo>
+                    <a:pt x="8355" y="12130"/>
+                  </a:lnTo>
+                  <a:lnTo>
+                    <a:pt x="8452" y="12105"/>
+                  </a:lnTo>
+                  <a:lnTo>
+                    <a:pt x="8549" y="12057"/>
+                  </a:lnTo>
+                  <a:lnTo>
+                    <a:pt x="8622" y="11984"/>
+                  </a:lnTo>
+                  <a:lnTo>
+                    <a:pt x="8622" y="11984"/>
+                  </a:lnTo>
+                  <a:lnTo>
+                    <a:pt x="8842" y="11716"/>
+                  </a:lnTo>
+                  <a:lnTo>
+                    <a:pt x="9036" y="11423"/>
+                  </a:lnTo>
+                  <a:lnTo>
+                    <a:pt x="9158" y="11131"/>
+                  </a:lnTo>
+                  <a:lnTo>
+                    <a:pt x="9280" y="10814"/>
+                  </a:lnTo>
+                  <a:lnTo>
+                    <a:pt x="9353" y="10498"/>
+                  </a:lnTo>
+                  <a:lnTo>
+                    <a:pt x="9402" y="10181"/>
+                  </a:lnTo>
+                  <a:lnTo>
+                    <a:pt x="9426" y="9889"/>
+                  </a:lnTo>
+                  <a:lnTo>
+                    <a:pt x="9426" y="9597"/>
+                  </a:lnTo>
+                  <a:lnTo>
+                    <a:pt x="9426" y="9597"/>
+                  </a:lnTo>
+                  <a:lnTo>
+                    <a:pt x="9426" y="9280"/>
+                  </a:lnTo>
+                  <a:lnTo>
+                    <a:pt x="9402" y="8964"/>
+                  </a:lnTo>
+                  <a:lnTo>
+                    <a:pt x="9353" y="8647"/>
+                  </a:lnTo>
+                  <a:lnTo>
+                    <a:pt x="9280" y="8330"/>
+                  </a:lnTo>
+                  <a:lnTo>
+                    <a:pt x="9231" y="8038"/>
+                  </a:lnTo>
+                  <a:lnTo>
+                    <a:pt x="9134" y="7746"/>
+                  </a:lnTo>
+                  <a:lnTo>
+                    <a:pt x="9036" y="7502"/>
+                  </a:lnTo>
+                  <a:lnTo>
+                    <a:pt x="8939" y="7259"/>
+                  </a:lnTo>
+                  <a:lnTo>
+                    <a:pt x="12130" y="4093"/>
+                  </a:lnTo>
+                </a:path>
+              </a:pathLst>
+            </a:custGeom>
+            <a:noFill/>
+            <a:ln w="9525" cap="rnd" cmpd="sng">
+              <a:solidFill>
+                <a:srgbClr val="000000"/>
+              </a:solidFill>
+              <a:prstDash val="solid"/>
+              <a:round/>
+              <a:headEnd type="none" w="med" len="med"/>
+              <a:tailEnd type="none" w="med" len="med"/>
+            </a:ln>
+          </p:spPr>
+          <p:txBody>
+            <a:bodyPr lIns="121900" tIns="121900" rIns="121900" bIns="121900" anchor="ctr" anchorCtr="0">
+              <a:noAutofit/>
+            </a:bodyPr>
+            <a:lstStyle/>
+            <a:p>
+              <a:pPr lvl="0">
+                <a:spcBef>
+                  <a:spcPts val="0"/>
+                </a:spcBef>
+                <a:buNone/>
+              </a:pPr>
+              <a:endParaRPr sz="2400"/>
+            </a:p>
+          </p:txBody>
+        </p:sp>
+        <p:sp>
+          <p:nvSpPr>
+            <p:cNvPr id="394" name="Shape 394"/>
+            <p:cNvSpPr/>
+            <p:nvPr/>
+          </p:nvSpPr>
+          <p:spPr>
+            <a:xfrm>
+              <a:off x="2814911" y="1754061"/>
+              <a:ext cx="49950" cy="49950"/>
+            </a:xfrm>
+            <a:custGeom>
+              <a:avLst/>
+              <a:gdLst/>
+              <a:ahLst/>
+              <a:cxnLst/>
+              <a:pathLst>
+                <a:path w="1998" h="1998" fill="none" extrusionOk="0">
+                  <a:moveTo>
+                    <a:pt x="1" y="1997"/>
+                  </a:moveTo>
+                  <a:lnTo>
+                    <a:pt x="1998" y="0"/>
+                  </a:lnTo>
+                </a:path>
+              </a:pathLst>
+            </a:custGeom>
+            <a:noFill/>
+            <a:ln w="9525" cap="rnd" cmpd="sng">
+              <a:solidFill>
+                <a:srgbClr val="000000"/>
+              </a:solidFill>
+              <a:prstDash val="solid"/>
+              <a:round/>
+              <a:headEnd type="none" w="med" len="med"/>
+              <a:tailEnd type="none" w="med" len="med"/>
+            </a:ln>
+          </p:spPr>
+          <p:txBody>
+            <a:bodyPr lIns="121900" tIns="121900" rIns="121900" bIns="121900" anchor="ctr" anchorCtr="0">
+              <a:noAutofit/>
+            </a:bodyPr>
+            <a:lstStyle/>
+            <a:p>
+              <a:pPr lvl="0">
+                <a:spcBef>
+                  <a:spcPts val="0"/>
+                </a:spcBef>
+                <a:buNone/>
+              </a:pPr>
+              <a:endParaRPr sz="2400"/>
+            </a:p>
+          </p:txBody>
+        </p:sp>
+      </p:grpSp>
+    </p:spTree>
+  </p:cSld>
+  <p:clrMapOvr>
+    <a:masterClrMapping/>
+  </p:clrMapOvr>
+</p:sld>
+</file>
+
 <file path=ppt/slides/slide3.xml><?xml version="1.0" encoding="utf-8"?>
 <p:sld xmlns:a="http://schemas.openxmlformats.org/drawingml/2006/main" xmlns:r="http://schemas.openxmlformats.org/officeDocument/2006/relationships" xmlns:p="http://schemas.openxmlformats.org/presentationml/2006/main">
   <p:cSld>
@@ -7711,71 +8667,147 @@
   <p:cSld>
     <p:spTree>
       <p:nvGrpSpPr>
-        <p:cNvPr id="1" name=""/>
+        <p:cNvPr id="98" name="Shape 98"/>
         <p:cNvGrpSpPr/>
         <p:nvPr/>
       </p:nvGrpSpPr>
-      <p:grpSpPr/>
-      <p:sp>
-        <p:nvSpPr>
-          <p:cNvPr id="2" name="标题 1"/>
-          <p:cNvSpPr/>
+      <p:grpSpPr>
+        <a:xfrm>
+          <a:off x="0" y="0"/>
+          <a:ext cx="0" cy="0"/>
+          <a:chOff x="0" y="0"/>
+          <a:chExt cx="0" cy="0"/>
+        </a:xfrm>
+      </p:grpSpPr>
+      <p:sp>
+        <p:nvSpPr>
+          <p:cNvPr id="99" name="Shape 99"/>
+          <p:cNvSpPr txBox="1"/>
           <p:nvPr>
-            <p:ph type="title"/>
+            <p:ph type="ctrTitle"/>
           </p:nvPr>
         </p:nvSpPr>
-        <p:spPr/>
-        <p:txBody>
-          <a:bodyPr/>
-          <a:p>
-            <a:r>
-              <a:rPr lang="en-US" altLang="zh-CN"/>
-              <a:t>The most basic circuit</a:t>
-            </a:r>
-            <a:endParaRPr lang="en-US" altLang="zh-CN"/>
-          </a:p>
-        </p:txBody>
-      </p:sp>
-      <p:sp>
-        <p:nvSpPr>
-          <p:cNvPr id="3" name="文本占位符 2"/>
-          <p:cNvSpPr/>
-          <p:nvPr>
-            <p:ph type="body" idx="1"/>
-          </p:nvPr>
-        </p:nvSpPr>
-        <p:spPr/>
-        <p:txBody>
-          <a:bodyPr/>
-          <a:p>
-            <a:endParaRPr lang="zh-CN" altLang="en-US"/>
-          </a:p>
-        </p:txBody>
-      </p:sp>
-      <p:pic>
-        <p:nvPicPr>
-          <p:cNvPr id="4" name="图片 3" descr="ArduinoSeminar"/>
-          <p:cNvPicPr>
-            <a:picLocks noChangeAspect="1"/>
-          </p:cNvPicPr>
-          <p:nvPr/>
-        </p:nvPicPr>
-        <p:blipFill>
-          <a:blip r:embed="rId1"/>
-          <a:stretch>
-            <a:fillRect/>
-          </a:stretch>
-        </p:blipFill>
-        <p:spPr>
-          <a:xfrm>
-            <a:off x="3690620" y="2155190"/>
-            <a:ext cx="3642995" cy="4411345"/>
+        <p:spPr>
+          <a:xfrm>
+            <a:off x="2696300" y="2258031"/>
+            <a:ext cx="5050399" cy="1546399"/>
           </a:xfrm>
           <a:prstGeom prst="rect">
             <a:avLst/>
           </a:prstGeom>
         </p:spPr>
-      </p:pic>
+        <p:txBody>
+          <a:bodyPr lIns="121900" tIns="121900" rIns="121900" bIns="121900" anchor="b" anchorCtr="0">
+            <a:noAutofit/>
+          </a:bodyPr>
+          <a:lstStyle/>
+          <a:p>
+            <a:pPr lvl="0" rtl="0">
+              <a:spcBef>
+                <a:spcPts val="0"/>
+              </a:spcBef>
+              <a:buNone/>
+            </a:pPr>
+            <a:r>
+              <a:rPr lang="en-US" altLang="en-GB"/>
+              <a:t>Blinking an LED</a:t>
+            </a:r>
+            <a:endParaRPr lang="en-US" altLang="en-GB"/>
+          </a:p>
+        </p:txBody>
+      </p:sp>
+      <p:sp>
+        <p:nvSpPr>
+          <p:cNvPr id="100" name="Shape 100"/>
+          <p:cNvSpPr txBox="1"/>
+          <p:nvPr>
+            <p:ph type="subTitle" idx="1"/>
+          </p:nvPr>
+        </p:nvSpPr>
+        <p:spPr>
+          <a:xfrm>
+            <a:off x="2696400" y="3754564"/>
+            <a:ext cx="7455200" cy="1046399"/>
+          </a:xfrm>
+          <a:prstGeom prst="rect">
+            <a:avLst/>
+          </a:prstGeom>
+        </p:spPr>
+        <p:txBody>
+          <a:bodyPr lIns="121900" tIns="121900" rIns="121900" bIns="121900" anchor="t" anchorCtr="0">
+            <a:noAutofit/>
+          </a:bodyPr>
+          <a:lstStyle/>
+          <a:p>
+            <a:pPr lvl="0" rtl="0">
+              <a:spcBef>
+                <a:spcPts val="0"/>
+              </a:spcBef>
+              <a:buNone/>
+            </a:pPr>
+            <a:r>
+              <a:rPr lang="en-US" altLang="en-GB"/>
+              <a:t>That's how you get started with Arduino</a:t>
+            </a:r>
+            <a:endParaRPr lang="en-US" altLang="en-GB"/>
+          </a:p>
+        </p:txBody>
+      </p:sp>
+      <p:sp>
+        <p:nvSpPr>
+          <p:cNvPr id="101" name="Shape 101"/>
+          <p:cNvSpPr txBox="1"/>
+          <p:nvPr/>
+        </p:nvSpPr>
+        <p:spPr>
+          <a:xfrm>
+            <a:off x="1511967" y="3054867"/>
+            <a:ext cx="725199" cy="749599"/>
+          </a:xfrm>
+          <a:prstGeom prst="rect">
+            <a:avLst/>
+          </a:prstGeom>
+          <a:noFill/>
+          <a:ln>
+            <a:noFill/>
+          </a:ln>
+        </p:spPr>
+        <p:txBody>
+          <a:bodyPr lIns="121900" tIns="121900" rIns="121900" bIns="121900" anchor="ctr" anchorCtr="0">
+            <a:noAutofit/>
+          </a:bodyPr>
+          <a:lstStyle/>
+          <a:p>
+            <a:pPr lvl="0" algn="ctr">
+              <a:spcBef>
+                <a:spcPts val="0"/>
+              </a:spcBef>
+              <a:buNone/>
+            </a:pPr>
+            <a:r>
+              <a:rPr lang="en-GB" sz="3200">
+                <a:solidFill>
+                  <a:schemeClr val="dk1"/>
+                </a:solidFill>
+                <a:latin typeface="Lora" panose="00000500000000000000"/>
+                <a:ea typeface="Lora" panose="00000500000000000000"/>
+                <a:cs typeface="Lora" panose="00000500000000000000"/>
+                <a:sym typeface="Lora" panose="00000500000000000000"/>
+              </a:rPr>
+              <a:t>1</a:t>
+            </a:r>
+            <a:endParaRPr lang="en-GB" sz="3200">
+              <a:solidFill>
+                <a:schemeClr val="dk1"/>
+              </a:solidFill>
+              <a:latin typeface="Lora" panose="00000500000000000000"/>
+              <a:ea typeface="Lora" panose="00000500000000000000"/>
+              <a:cs typeface="Lora" panose="00000500000000000000"/>
+              <a:sym typeface="Lora" panose="00000500000000000000"/>
+            </a:endParaRPr>
+          </a:p>
+        </p:txBody>
+      </p:sp>
     </p:spTree>
   </p:cSld>
   <p:clrMapOvr>
@@ -7807,12 +8839,10 @@
           <a:bodyPr/>
           <a:p>
             <a:r>
-              <a:rPr lang="en-US" altLang="zh-CN" sz="2660">
-                <a:sym typeface="+mn-ea"/>
-              </a:rPr>
+              <a:rPr lang="en-US" altLang="zh-CN"/>
               <a:t>The most basic circuit</a:t>
             </a:r>
-            <a:endParaRPr lang="zh-CN" altLang="en-US"/>
+            <a:endParaRPr lang="en-US" altLang="zh-CN"/>
           </a:p>
         </p:txBody>
       </p:sp>
@@ -7834,7 +8864,7 @@
       </p:sp>
       <p:pic>
         <p:nvPicPr>
-          <p:cNvPr id="4" name="图片 3" descr="Untitled Sketch_bb"/>
+          <p:cNvPr id="4" name="图片 3" descr="ArduinoSeminar"/>
           <p:cNvPicPr>
             <a:picLocks noChangeAspect="1"/>
           </p:cNvPicPr>
@@ -7848,8 +8878,8 @@
         </p:blipFill>
         <p:spPr>
           <a:xfrm>
-            <a:off x="1841500" y="2155190"/>
-            <a:ext cx="3593465" cy="4149725"/>
+            <a:off x="3690620" y="2155190"/>
+            <a:ext cx="3642995" cy="4411345"/>
           </a:xfrm>
           <a:prstGeom prst="rect">
             <a:avLst/>
@@ -7887,10 +8917,12 @@
           <a:bodyPr/>
           <a:p>
             <a:r>
-              <a:rPr lang="en-US" altLang="zh-CN"/>
-              <a:t>Breadboard</a:t>
+              <a:rPr lang="en-US" altLang="zh-CN" sz="2660">
+                <a:sym typeface="+mn-ea"/>
+              </a:rPr>
+              <a:t>The most basic circuit</a:t>
             </a:r>
-            <a:endParaRPr lang="en-US" altLang="zh-CN"/>
+            <a:endParaRPr lang="zh-CN" altLang="en-US"/>
           </a:p>
         </p:txBody>
       </p:sp>
@@ -7912,7 +8944,7 @@
       </p:sp>
       <p:pic>
         <p:nvPicPr>
-          <p:cNvPr id="4" name="图片 3" descr="5175c500ce395f5a49000004"/>
+          <p:cNvPr id="4" name="图片 3" descr="Untitled Sketch_bb"/>
           <p:cNvPicPr>
             <a:picLocks noChangeAspect="1"/>
           </p:cNvPicPr>
@@ -7927,7 +8959,7 @@
         <p:spPr>
           <a:xfrm>
             <a:off x="1841500" y="2155190"/>
-            <a:ext cx="7398385" cy="4149090"/>
+            <a:ext cx="3593465" cy="4149725"/>
           </a:xfrm>
           <a:prstGeom prst="rect">
             <a:avLst/>
@@ -7990,7 +9022,7 @@
       </p:sp>
       <p:pic>
         <p:nvPicPr>
-          <p:cNvPr id="4" name="图片 3"/>
+          <p:cNvPr id="4" name="图片 3" descr="5175c500ce395f5a49000004"/>
           <p:cNvPicPr>
             <a:picLocks noChangeAspect="1"/>
           </p:cNvPicPr>
@@ -8004,32 +9036,8 @@
         </p:blipFill>
         <p:spPr>
           <a:xfrm>
-            <a:off x="1031875" y="2625725"/>
-            <a:ext cx="4667250" cy="3208655"/>
-          </a:xfrm>
-          <a:prstGeom prst="rect">
-            <a:avLst/>
-          </a:prstGeom>
-        </p:spPr>
-      </p:pic>
-      <p:pic>
-        <p:nvPicPr>
-          <p:cNvPr id="5" name="图片 4" descr="basic_breadboard_layout"/>
-          <p:cNvPicPr>
-            <a:picLocks noChangeAspect="1"/>
-          </p:cNvPicPr>
-          <p:nvPr/>
-        </p:nvPicPr>
-        <p:blipFill>
-          <a:blip r:embed="rId2"/>
-          <a:stretch>
-            <a:fillRect/>
-          </a:stretch>
-        </p:blipFill>
-        <p:spPr>
-          <a:xfrm>
-            <a:off x="6353175" y="2625725"/>
-            <a:ext cx="5106670" cy="3288665"/>
+            <a:off x="1841500" y="2155190"/>
+            <a:ext cx="7398385" cy="4149090"/>
           </a:xfrm>
           <a:prstGeom prst="rect">
             <a:avLst/>

--- a/slides/ArduinoSeminar1.pptx
+++ b/slides/ArduinoSeminar1.pptx
@@ -26,10 +26,16 @@
     <p:sldId id="273" r:id="rId19"/>
     <p:sldId id="278" r:id="rId20"/>
     <p:sldId id="274" r:id="rId21"/>
-    <p:sldId id="275" r:id="rId22"/>
-    <p:sldId id="279" r:id="rId23"/>
-    <p:sldId id="280" r:id="rId24"/>
-    <p:sldId id="268" r:id="rId25"/>
+    <p:sldId id="283" r:id="rId22"/>
+    <p:sldId id="275" r:id="rId23"/>
+    <p:sldId id="279" r:id="rId24"/>
+    <p:sldId id="280" r:id="rId25"/>
+    <p:sldId id="281" r:id="rId26"/>
+    <p:sldId id="282" r:id="rId27"/>
+    <p:sldId id="284" r:id="rId28"/>
+    <p:sldId id="285" r:id="rId29"/>
+    <p:sldId id="286" r:id="rId30"/>
+    <p:sldId id="268" r:id="rId31"/>
   </p:sldIdLst>
   <p:sldSz cx="12192000" cy="6858000"/>
   <p:notesSz cx="7103745" cy="10234295"/>
@@ -1049,6 +1055,101 @@
 </file>
 
 <file path=ppt/notesSlides/notesSlide7.xml><?xml version="1.0" encoding="utf-8"?>
+<p:notes xmlns:a="http://schemas.openxmlformats.org/drawingml/2006/main" xmlns:r="http://schemas.openxmlformats.org/officeDocument/2006/relationships" xmlns:p="http://schemas.openxmlformats.org/presentationml/2006/main" showMasterPhAnim="0" showMasterSp="0">
+  <p:cSld>
+    <p:spTree>
+      <p:nvGrpSpPr>
+        <p:cNvPr id="372" name="Shape 372"/>
+        <p:cNvGrpSpPr/>
+        <p:nvPr/>
+      </p:nvGrpSpPr>
+      <p:grpSpPr>
+        <a:xfrm>
+          <a:off x="0" y="0"/>
+          <a:ext cx="0" cy="0"/>
+          <a:chOff x="0" y="0"/>
+          <a:chExt cx="0" cy="0"/>
+        </a:xfrm>
+      </p:grpSpPr>
+      <p:sp>
+        <p:nvSpPr>
+          <p:cNvPr id="373" name="Shape 373"/>
+          <p:cNvSpPr/>
+          <p:nvPr>
+            <p:ph type="sldImg" idx="2"/>
+          </p:nvPr>
+        </p:nvSpPr>
+        <p:spPr>
+          <a:xfrm>
+            <a:off x="381175" y="685800"/>
+            <a:ext cx="6096299" cy="3429000"/>
+          </a:xfrm>
+          <a:custGeom>
+            <a:avLst/>
+            <a:gdLst/>
+            <a:ahLst/>
+            <a:cxnLst/>
+            <a:pathLst>
+              <a:path w="120000" h="120000" extrusionOk="0">
+                <a:moveTo>
+                  <a:pt x="0" y="0"/>
+                </a:moveTo>
+                <a:lnTo>
+                  <a:pt x="120000" y="0"/>
+                </a:lnTo>
+                <a:lnTo>
+                  <a:pt x="120000" y="120000"/>
+                </a:lnTo>
+                <a:lnTo>
+                  <a:pt x="0" y="120000"/>
+                </a:lnTo>
+                <a:close/>
+              </a:path>
+            </a:pathLst>
+          </a:custGeom>
+        </p:spPr>
+      </p:sp>
+      <p:sp>
+        <p:nvSpPr>
+          <p:cNvPr id="374" name="Shape 374"/>
+          <p:cNvSpPr txBox="1"/>
+          <p:nvPr>
+            <p:ph type="body" idx="1"/>
+          </p:nvPr>
+        </p:nvSpPr>
+        <p:spPr>
+          <a:xfrm>
+            <a:off x="685800" y="4343400"/>
+            <a:ext cx="5486399" cy="4114800"/>
+          </a:xfrm>
+          <a:prstGeom prst="rect">
+            <a:avLst/>
+          </a:prstGeom>
+        </p:spPr>
+        <p:txBody>
+          <a:bodyPr lIns="91425" tIns="91425" rIns="91425" bIns="91425" anchor="t" anchorCtr="0">
+            <a:noAutofit/>
+          </a:bodyPr>
+          <a:lstStyle/>
+          <a:p>
+            <a:pPr lvl="0">
+              <a:spcBef>
+                <a:spcPts val="0"/>
+              </a:spcBef>
+              <a:buNone/>
+            </a:pPr>
+          </a:p>
+        </p:txBody>
+      </p:sp>
+    </p:spTree>
+  </p:cSld>
+  <p:clrMapOvr>
+    <a:masterClrMapping/>
+  </p:clrMapOvr>
+</p:notes>
+</file>
+
+<file path=ppt/notesSlides/notesSlide8.xml><?xml version="1.0" encoding="utf-8"?>
 <p:notes xmlns:a="http://schemas.openxmlformats.org/drawingml/2006/main" xmlns:r="http://schemas.openxmlformats.org/officeDocument/2006/relationships" xmlns:p="http://schemas.openxmlformats.org/presentationml/2006/main" showMasterPhAnim="0" showMasterSp="0">
   <p:cSld>
     <p:spTree>
@@ -6409,7 +6510,7 @@
           <a:p>
             <a:r>
               <a:rPr lang="en-US" altLang="zh-CN"/>
-              <a:t>Serial output</a:t>
+              <a:t>Driving a servo motor</a:t>
             </a:r>
             <a:endParaRPr lang="en-US" altLang="zh-CN"/>
           </a:p>
@@ -6427,28 +6528,40 @@
         <p:txBody>
           <a:bodyPr/>
           <a:p>
-            <a:r>
-              <a:rPr lang="en-US" altLang="zh-CN"/>
-              <a:t>Serial.println() can be useful for debugging.</a:t>
-            </a:r>
             <a:endParaRPr lang="en-US" altLang="zh-CN"/>
           </a:p>
           <a:p>
-            <a:r>
-              <a:rPr lang="en-US" altLang="zh-CN"/>
-              <a:t>Tools -&gt; Serial Monitor for the serial command line.</a:t>
-            </a:r>
             <a:endParaRPr lang="en-US" altLang="zh-CN"/>
           </a:p>
           <a:p>
-            <a:r>
-              <a:rPr lang="en-US" altLang="zh-CN"/>
-              <a:t>Pin 0(RX) and 1(TX) will be occupied; beware!</a:t>
-            </a:r>
             <a:endParaRPr lang="en-US" altLang="zh-CN"/>
           </a:p>
         </p:txBody>
       </p:sp>
+      <p:pic>
+        <p:nvPicPr>
+          <p:cNvPr id="5" name="图片 4" descr="sweep_BB"/>
+          <p:cNvPicPr>
+            <a:picLocks noChangeAspect="1"/>
+          </p:cNvPicPr>
+          <p:nvPr/>
+        </p:nvPicPr>
+        <p:blipFill>
+          <a:blip r:embed="rId1"/>
+          <a:stretch>
+            <a:fillRect/>
+          </a:stretch>
+        </p:blipFill>
+        <p:spPr>
+          <a:xfrm>
+            <a:off x="2658110" y="1811020"/>
+            <a:ext cx="7446645" cy="4250690"/>
+          </a:xfrm>
+          <a:prstGeom prst="rect">
+            <a:avLst/>
+          </a:prstGeom>
+        </p:spPr>
+      </p:pic>
     </p:spTree>
   </p:cSld>
   <p:clrMapOvr>
@@ -6806,6 +6919,85 @@
   <p:cSld>
     <p:spTree>
       <p:nvGrpSpPr>
+        <p:cNvPr id="1" name=""/>
+        <p:cNvGrpSpPr/>
+        <p:nvPr/>
+      </p:nvGrpSpPr>
+      <p:grpSpPr/>
+      <p:sp>
+        <p:nvSpPr>
+          <p:cNvPr id="2" name="标题 1"/>
+          <p:cNvSpPr/>
+          <p:nvPr>
+            <p:ph type="title"/>
+          </p:nvPr>
+        </p:nvSpPr>
+        <p:spPr/>
+        <p:txBody>
+          <a:bodyPr/>
+          <a:p>
+            <a:r>
+              <a:rPr lang="en-US" altLang="zh-CN"/>
+              <a:t>Serial output &amp; input</a:t>
+            </a:r>
+            <a:endParaRPr lang="en-US" altLang="zh-CN"/>
+          </a:p>
+        </p:txBody>
+      </p:sp>
+      <p:sp>
+        <p:nvSpPr>
+          <p:cNvPr id="3" name="文本占位符 2"/>
+          <p:cNvSpPr/>
+          <p:nvPr>
+            <p:ph type="body" idx="1"/>
+          </p:nvPr>
+        </p:nvSpPr>
+        <p:spPr/>
+        <p:txBody>
+          <a:bodyPr/>
+          <a:p>
+            <a:r>
+              <a:rPr lang="en-US" altLang="zh-CN"/>
+              <a:t>Serial.println() can be useful for debugging.</a:t>
+            </a:r>
+            <a:endParaRPr lang="en-US" altLang="zh-CN"/>
+          </a:p>
+          <a:p>
+            <a:r>
+              <a:rPr lang="en-US" altLang="zh-CN"/>
+              <a:t>Tools -&gt; Serial Monitor for the serial command line.</a:t>
+            </a:r>
+            <a:endParaRPr lang="en-US" altLang="zh-CN"/>
+          </a:p>
+          <a:p>
+            <a:r>
+              <a:rPr lang="en-US" altLang="zh-CN"/>
+              <a:t>Pin 0(RX) and 1(TX) will be occupied; beware!</a:t>
+            </a:r>
+            <a:endParaRPr lang="en-US" altLang="zh-CN"/>
+          </a:p>
+          <a:p>
+            <a:r>
+              <a:rPr lang="en-US" altLang="zh-CN"/>
+              <a:t>Bluetooth also works through serial I/O.</a:t>
+            </a:r>
+            <a:endParaRPr lang="en-US" altLang="zh-CN"/>
+          </a:p>
+        </p:txBody>
+      </p:sp>
+    </p:spTree>
+  </p:cSld>
+  <p:clrMapOvr>
+    <a:masterClrMapping/>
+  </p:clrMapOvr>
+</p:sld>
+</file>
+
+<file path=ppt/slides/slide21.xml><?xml version="1.0" encoding="utf-8"?>
+<p:sld xmlns:a="http://schemas.openxmlformats.org/drawingml/2006/main" xmlns:r="http://schemas.openxmlformats.org/officeDocument/2006/relationships" xmlns:p="http://schemas.openxmlformats.org/presentationml/2006/main">
+  <p:cSld>
+    <p:spTree>
+      <p:nvGrpSpPr>
         <p:cNvPr id="98" name="Shape 98"/>
         <p:cNvGrpSpPr/>
         <p:nvPr/>
@@ -6955,7 +7147,7 @@
 </p:sld>
 </file>
 
-<file path=ppt/slides/slide21.xml><?xml version="1.0" encoding="utf-8"?>
+<file path=ppt/slides/slide22.xml><?xml version="1.0" encoding="utf-8"?>
 <p:sld xmlns:a="http://schemas.openxmlformats.org/drawingml/2006/main" xmlns:r="http://schemas.openxmlformats.org/officeDocument/2006/relationships" xmlns:p="http://schemas.openxmlformats.org/presentationml/2006/main">
   <p:cSld>
     <p:spTree>
@@ -6999,7 +7191,40 @@
           <a:p>
             <a:r>
               <a:rPr lang="en-US" altLang="zh-CN"/>
-              <a:t>Sometimes you need to set a few parameters</a:t>
+              <a:t>Sometimes you need to set a few parameters by trial-and-error:</a:t>
+            </a:r>
+            <a:endParaRPr lang="en-US" altLang="zh-CN"/>
+          </a:p>
+          <a:p>
+            <a:pPr marL="914400" lvl="2" indent="-457200">
+              <a:buFont typeface="Wingdings" panose="05000000000000000000" charset="0"/>
+              <a:buChar char="l"/>
+            </a:pPr>
+            <a:r>
+              <a:rPr lang="en-US" altLang="zh-CN"/>
+              <a:t>The speed of your motors can be a bit off;</a:t>
+            </a:r>
+            <a:endParaRPr lang="en-US" altLang="zh-CN"/>
+          </a:p>
+          <a:p>
+            <a:pPr marL="914400" lvl="2" indent="-457200">
+              <a:buFont typeface="Wingdings" panose="05000000000000000000" charset="0"/>
+              <a:buChar char="l"/>
+            </a:pPr>
+            <a:r>
+              <a:rPr lang="en-US" altLang="zh-CN"/>
+              <a:t>Your mechanical arm may need to be positioned upright;</a:t>
+            </a:r>
+            <a:endParaRPr lang="en-US" altLang="zh-CN"/>
+          </a:p>
+          <a:p>
+            <a:pPr marL="914400" lvl="2" indent="-457200">
+              <a:buFont typeface="Wingdings" panose="05000000000000000000" charset="0"/>
+              <a:buChar char="l"/>
+            </a:pPr>
+            <a:r>
+              <a:rPr lang="en-US" altLang="zh-CN"/>
+              <a:t>...</a:t>
             </a:r>
             <a:endParaRPr lang="en-US" altLang="zh-CN"/>
           </a:p>
@@ -7013,7 +7238,1240 @@
 </p:sld>
 </file>
 
-<file path=ppt/slides/slide22.xml><?xml version="1.0" encoding="utf-8"?>
+<file path=ppt/slides/slide23.xml><?xml version="1.0" encoding="utf-8"?>
+<p:sld xmlns:a="http://schemas.openxmlformats.org/drawingml/2006/main" xmlns:r="http://schemas.openxmlformats.org/officeDocument/2006/relationships" xmlns:p="http://schemas.openxmlformats.org/presentationml/2006/main">
+  <p:cSld>
+    <p:spTree>
+      <p:nvGrpSpPr>
+        <p:cNvPr id="1" name=""/>
+        <p:cNvGrpSpPr/>
+        <p:nvPr/>
+      </p:nvGrpSpPr>
+      <p:grpSpPr/>
+      <p:sp>
+        <p:nvSpPr>
+          <p:cNvPr id="2" name="标题 1"/>
+          <p:cNvSpPr/>
+          <p:nvPr>
+            <p:ph type="title"/>
+          </p:nvPr>
+        </p:nvSpPr>
+        <p:spPr/>
+        <p:txBody>
+          <a:bodyPr/>
+          <a:p>
+            <a:r>
+              <a:rPr lang="en-US" altLang="zh-CN"/>
+              <a:t>Hard-coding everything can be time-consuming!</a:t>
+            </a:r>
+            <a:endParaRPr lang="en-US" altLang="zh-CN"/>
+          </a:p>
+        </p:txBody>
+      </p:sp>
+      <p:sp>
+        <p:nvSpPr>
+          <p:cNvPr id="3" name="文本占位符 2"/>
+          <p:cNvSpPr/>
+          <p:nvPr>
+            <p:ph type="body" idx="1"/>
+          </p:nvPr>
+        </p:nvSpPr>
+        <p:spPr/>
+        <p:txBody>
+          <a:bodyPr/>
+          <a:p>
+            <a:r>
+              <a:rPr lang="en-US" altLang="zh-CN"/>
+              <a:t>You need to hook up your rig every time you want you make a change. This drastically slows down your development process.</a:t>
+            </a:r>
+            <a:endParaRPr lang="en-US" altLang="zh-CN"/>
+          </a:p>
+        </p:txBody>
+      </p:sp>
+      <p:pic>
+        <p:nvPicPr>
+          <p:cNvPr id="4" name="图片 3" descr="images"/>
+          <p:cNvPicPr>
+            <a:picLocks noChangeAspect="1"/>
+          </p:cNvPicPr>
+          <p:nvPr/>
+        </p:nvPicPr>
+        <p:blipFill>
+          <a:blip r:embed="rId1"/>
+          <a:stretch>
+            <a:fillRect/>
+          </a:stretch>
+        </p:blipFill>
+        <p:spPr>
+          <a:xfrm>
+            <a:off x="5297170" y="4019550"/>
+            <a:ext cx="2169160" cy="1830705"/>
+          </a:xfrm>
+          <a:prstGeom prst="rect">
+            <a:avLst/>
+          </a:prstGeom>
+        </p:spPr>
+      </p:pic>
+    </p:spTree>
+  </p:cSld>
+  <p:clrMapOvr>
+    <a:masterClrMapping/>
+  </p:clrMapOvr>
+</p:sld>
+</file>
+
+<file path=ppt/slides/slide24.xml><?xml version="1.0" encoding="utf-8"?>
+<p:sld xmlns:a="http://schemas.openxmlformats.org/drawingml/2006/main" xmlns:r="http://schemas.openxmlformats.org/officeDocument/2006/relationships" xmlns:p="http://schemas.openxmlformats.org/presentationml/2006/main">
+  <p:cSld>
+    <p:spTree>
+      <p:nvGrpSpPr>
+        <p:cNvPr id="1" name=""/>
+        <p:cNvGrpSpPr/>
+        <p:nvPr/>
+      </p:nvGrpSpPr>
+      <p:grpSpPr/>
+      <p:sp>
+        <p:nvSpPr>
+          <p:cNvPr id="2" name="标题 1"/>
+          <p:cNvSpPr/>
+          <p:nvPr>
+            <p:ph type="title"/>
+          </p:nvPr>
+        </p:nvSpPr>
+        <p:spPr/>
+        <p:txBody>
+          <a:bodyPr/>
+          <a:p>
+            <a:r>
+              <a:rPr lang="en-US" altLang="zh-CN"/>
+              <a:t>What is an EEPROM?</a:t>
+            </a:r>
+            <a:endParaRPr lang="en-US" altLang="zh-CN"/>
+          </a:p>
+        </p:txBody>
+      </p:sp>
+      <p:sp>
+        <p:nvSpPr>
+          <p:cNvPr id="3" name="文本占位符 2"/>
+          <p:cNvSpPr/>
+          <p:nvPr>
+            <p:ph type="body" idx="1"/>
+          </p:nvPr>
+        </p:nvSpPr>
+        <p:spPr/>
+        <p:txBody>
+          <a:bodyPr/>
+          <a:p>
+            <a:r>
+              <a:rPr lang="en-US" altLang="zh-CN"/>
+              <a:t>It functions like hard-drives (or SSDs) on your computer.</a:t>
+            </a:r>
+            <a:endParaRPr lang="en-US" altLang="zh-CN"/>
+          </a:p>
+          <a:p>
+            <a:r>
+              <a:rPr lang="en-US" altLang="zh-CN"/>
+              <a:t>able to save data across reboots</a:t>
+            </a:r>
+            <a:endParaRPr lang="en-US" altLang="zh-CN"/>
+          </a:p>
+          <a:p>
+            <a:endParaRPr lang="en-US" altLang="zh-CN"/>
+          </a:p>
+          <a:p>
+            <a:r>
+              <a:rPr lang="en-US" altLang="zh-CN"/>
+              <a:t>Plan your space carefully; only 1024 bytes on Arduino Uno!</a:t>
+            </a:r>
+            <a:endParaRPr lang="en-US" altLang="zh-CN"/>
+          </a:p>
+        </p:txBody>
+      </p:sp>
+    </p:spTree>
+  </p:cSld>
+  <p:clrMapOvr>
+    <a:masterClrMapping/>
+  </p:clrMapOvr>
+</p:sld>
+</file>
+
+<file path=ppt/slides/slide25.xml><?xml version="1.0" encoding="utf-8"?>
+<p:sld xmlns:a="http://schemas.openxmlformats.org/drawingml/2006/main" xmlns:r="http://schemas.openxmlformats.org/officeDocument/2006/relationships" xmlns:p="http://schemas.openxmlformats.org/presentationml/2006/main">
+  <p:cSld>
+    <p:spTree>
+      <p:nvGrpSpPr>
+        <p:cNvPr id="1" name=""/>
+        <p:cNvGrpSpPr/>
+        <p:nvPr/>
+      </p:nvGrpSpPr>
+      <p:grpSpPr/>
+      <p:sp>
+        <p:nvSpPr>
+          <p:cNvPr id="2" name="标题 1"/>
+          <p:cNvSpPr/>
+          <p:nvPr>
+            <p:ph type="title"/>
+          </p:nvPr>
+        </p:nvSpPr>
+        <p:spPr/>
+        <p:txBody>
+          <a:bodyPr/>
+          <a:p>
+            <a:r>
+              <a:rPr lang="en-US" altLang="zh-CN"/>
+              <a:t>What is a library?</a:t>
+            </a:r>
+            <a:endParaRPr lang="en-US" altLang="zh-CN"/>
+          </a:p>
+        </p:txBody>
+      </p:sp>
+      <p:sp>
+        <p:nvSpPr>
+          <p:cNvPr id="3" name="文本占位符 2"/>
+          <p:cNvSpPr/>
+          <p:nvPr>
+            <p:ph type="body" idx="1"/>
+          </p:nvPr>
+        </p:nvSpPr>
+        <p:spPr/>
+        <p:txBody>
+          <a:bodyPr/>
+          <a:p>
+            <a:r>
+              <a:rPr lang="en-US" altLang="zh-CN"/>
+              <a:t>Compare programming to building a house, and a library will be the prefabricated walls. It makes things easier!</a:t>
+            </a:r>
+            <a:endParaRPr lang="en-US" altLang="zh-CN"/>
+          </a:p>
+          <a:p>
+            <a:r>
+              <a:rPr lang="en-US" altLang="zh-CN"/>
+              <a:t>Whenever you find a particular part of your programming difficult, it's time to go look for a library!</a:t>
+            </a:r>
+            <a:endParaRPr lang="en-US" altLang="zh-CN"/>
+          </a:p>
+        </p:txBody>
+      </p:sp>
+    </p:spTree>
+  </p:cSld>
+  <p:clrMapOvr>
+    <a:masterClrMapping/>
+  </p:clrMapOvr>
+</p:sld>
+</file>
+
+<file path=ppt/slides/slide26.xml><?xml version="1.0" encoding="utf-8"?>
+<p:sld xmlns:a="http://schemas.openxmlformats.org/drawingml/2006/main" xmlns:r="http://schemas.openxmlformats.org/officeDocument/2006/relationships" xmlns:p="http://schemas.openxmlformats.org/presentationml/2006/main">
+  <p:cSld>
+    <p:spTree>
+      <p:nvGrpSpPr>
+        <p:cNvPr id="1" name=""/>
+        <p:cNvGrpSpPr/>
+        <p:nvPr/>
+      </p:nvGrpSpPr>
+      <p:grpSpPr/>
+      <p:sp>
+        <p:nvSpPr>
+          <p:cNvPr id="2" name="标题 1"/>
+          <p:cNvSpPr/>
+          <p:nvPr>
+            <p:ph type="title"/>
+          </p:nvPr>
+        </p:nvSpPr>
+        <p:spPr/>
+        <p:txBody>
+          <a:bodyPr/>
+          <a:p>
+            <a:r>
+              <a:rPr lang="en-US" altLang="zh-CN"/>
+              <a:t>EEPROM code example</a:t>
+            </a:r>
+            <a:endParaRPr lang="en-US" altLang="zh-CN"/>
+          </a:p>
+        </p:txBody>
+      </p:sp>
+      <p:sp>
+        <p:nvSpPr>
+          <p:cNvPr id="3" name="文本占位符 2"/>
+          <p:cNvSpPr/>
+          <p:nvPr>
+            <p:ph type="body" idx="1"/>
+          </p:nvPr>
+        </p:nvSpPr>
+        <p:spPr/>
+        <p:txBody>
+          <a:bodyPr/>
+          <a:p>
+            <a:r>
+              <a:rPr lang="en-US" altLang="zh-CN"/>
+              <a:t>EEPROMAnything.h is a tiny library that simplifies the usage of EEPROM.</a:t>
+            </a:r>
+            <a:endParaRPr lang="en-US" altLang="zh-CN"/>
+          </a:p>
+          <a:p>
+            <a:r>
+              <a:rPr lang="en-US" altLang="zh-CN"/>
+              <a:t>Send 'S' to the Serial Monitor for a shorter blinking cycle; 'L' for a longer one.</a:t>
+            </a:r>
+            <a:endParaRPr lang="en-US" altLang="zh-CN"/>
+          </a:p>
+          <a:p>
+            <a:r>
+              <a:rPr lang="en-US" altLang="zh-CN"/>
+              <a:t>Unplug the Arduino, then plug in again; watch how your previous configuration is maintained.</a:t>
+            </a:r>
+            <a:endParaRPr lang="en-US" altLang="zh-CN"/>
+          </a:p>
+        </p:txBody>
+      </p:sp>
+    </p:spTree>
+  </p:cSld>
+  <p:clrMapOvr>
+    <a:masterClrMapping/>
+  </p:clrMapOvr>
+</p:sld>
+</file>
+
+<file path=ppt/slides/slide27.xml><?xml version="1.0" encoding="utf-8"?>
+<p:sld xmlns:a="http://schemas.openxmlformats.org/drawingml/2006/main" xmlns:r="http://schemas.openxmlformats.org/officeDocument/2006/relationships" xmlns:p="http://schemas.openxmlformats.org/presentationml/2006/main">
+  <p:cSld>
+    <p:spTree>
+      <p:nvGrpSpPr>
+        <p:cNvPr id="375" name="Shape 375"/>
+        <p:cNvGrpSpPr/>
+        <p:nvPr/>
+      </p:nvGrpSpPr>
+      <p:grpSpPr>
+        <a:xfrm>
+          <a:off x="0" y="0"/>
+          <a:ext cx="0" cy="0"/>
+          <a:chOff x="0" y="0"/>
+          <a:chExt cx="0" cy="0"/>
+        </a:xfrm>
+      </p:grpSpPr>
+      <p:sp>
+        <p:nvSpPr>
+          <p:cNvPr id="376" name="Shape 376"/>
+          <p:cNvSpPr txBox="1"/>
+          <p:nvPr>
+            <p:ph type="subTitle" idx="4294967295"/>
+          </p:nvPr>
+        </p:nvSpPr>
+        <p:spPr>
+          <a:xfrm>
+            <a:off x="3162000" y="2791700"/>
+            <a:ext cx="6695199" cy="1046399"/>
+          </a:xfrm>
+          <a:prstGeom prst="rect">
+            <a:avLst/>
+          </a:prstGeom>
+        </p:spPr>
+        <p:txBody>
+          <a:bodyPr lIns="121900" tIns="121900" rIns="121900" bIns="121900" anchor="t" anchorCtr="0">
+            <a:noAutofit/>
+          </a:bodyPr>
+          <a:lstStyle/>
+          <a:p>
+            <a:pPr lvl="0" rtl="0">
+              <a:spcBef>
+                <a:spcPts val="0"/>
+              </a:spcBef>
+              <a:buNone/>
+            </a:pPr>
+            <a:r>
+              <a:rPr lang="en-GB" sz="4800" b="1" i="1">
+                <a:latin typeface="Lora" panose="00000500000000000000"/>
+                <a:ea typeface="Lora" panose="00000500000000000000"/>
+                <a:cs typeface="Lora" panose="00000500000000000000"/>
+                <a:sym typeface="Lora" panose="00000500000000000000"/>
+              </a:rPr>
+              <a:t>Any </a:t>
+            </a:r>
+            <a:r>
+              <a:rPr lang="en-GB" sz="4800" b="1" i="1">
+                <a:highlight>
+                  <a:srgbClr val="FFCD00"/>
+                </a:highlight>
+                <a:latin typeface="Lora" panose="00000500000000000000"/>
+                <a:ea typeface="Lora" panose="00000500000000000000"/>
+                <a:cs typeface="Lora" panose="00000500000000000000"/>
+                <a:sym typeface="Lora" panose="00000500000000000000"/>
+              </a:rPr>
+              <a:t>questions</a:t>
+            </a:r>
+            <a:r>
+              <a:rPr lang="en-GB" sz="4800" b="1" i="1">
+                <a:latin typeface="Lora" panose="00000500000000000000"/>
+                <a:ea typeface="Lora" panose="00000500000000000000"/>
+                <a:cs typeface="Lora" panose="00000500000000000000"/>
+                <a:sym typeface="Lora" panose="00000500000000000000"/>
+              </a:rPr>
+              <a:t> ?</a:t>
+            </a:r>
+            <a:endParaRPr lang="en-GB" sz="4800" b="1" i="1">
+              <a:latin typeface="Lora" panose="00000500000000000000"/>
+              <a:ea typeface="Lora" panose="00000500000000000000"/>
+              <a:cs typeface="Lora" panose="00000500000000000000"/>
+              <a:sym typeface="Lora" panose="00000500000000000000"/>
+            </a:endParaRPr>
+          </a:p>
+          <a:p>
+            <a:pPr lvl="0" rtl="0">
+              <a:spcBef>
+                <a:spcPts val="0"/>
+              </a:spcBef>
+              <a:buNone/>
+            </a:pPr>
+            <a:endParaRPr sz="2400">
+              <a:solidFill>
+                <a:schemeClr val="dk1"/>
+              </a:solidFill>
+            </a:endParaRPr>
+          </a:p>
+          <a:p>
+            <a:pPr lvl="0" rtl="0">
+              <a:spcBef>
+                <a:spcPts val="0"/>
+              </a:spcBef>
+              <a:buNone/>
+            </a:pPr>
+            <a:r>
+              <a:rPr lang="en-GB" sz="2400">
+                <a:solidFill>
+                  <a:schemeClr val="dk1"/>
+                </a:solidFill>
+              </a:rPr>
+              <a:t>You can find me at</a:t>
+            </a:r>
+            <a:endParaRPr lang="en-GB" sz="2400">
+              <a:solidFill>
+                <a:schemeClr val="dk1"/>
+              </a:solidFill>
+            </a:endParaRPr>
+          </a:p>
+          <a:p>
+            <a:pPr marL="457200" lvl="0" indent="-342900" rtl="0">
+              <a:spcBef>
+                <a:spcPts val="0"/>
+              </a:spcBef>
+              <a:buSzPct val="100000"/>
+            </a:pPr>
+            <a:r>
+              <a:rPr lang="en-US" altLang="en-GB" sz="2400">
+                <a:solidFill>
+                  <a:schemeClr val="dk1"/>
+                </a:solidFill>
+              </a:rPr>
+              <a:t>arsdragonfly@sjtu.edu.cn</a:t>
+            </a:r>
+            <a:endParaRPr lang="en-US" altLang="en-GB" sz="2400">
+              <a:solidFill>
+                <a:schemeClr val="dk1"/>
+              </a:solidFill>
+            </a:endParaRPr>
+          </a:p>
+          <a:p>
+            <a:pPr marL="457200" lvl="0" indent="-342900" rtl="0">
+              <a:spcBef>
+                <a:spcPts val="0"/>
+              </a:spcBef>
+              <a:buSzPct val="100000"/>
+            </a:pPr>
+            <a:r>
+              <a:rPr lang="en-US" altLang="en-GB" sz="2400">
+                <a:solidFill>
+                  <a:schemeClr val="dk1"/>
+                </a:solidFill>
+              </a:rPr>
+              <a:t>https://github.com/arsdragonfly/</a:t>
+            </a:r>
+            <a:endParaRPr lang="en-US" altLang="en-GB" sz="2400">
+              <a:solidFill>
+                <a:schemeClr val="dk1"/>
+              </a:solidFill>
+            </a:endParaRPr>
+          </a:p>
+        </p:txBody>
+      </p:sp>
+      <p:cxnSp>
+        <p:nvCxnSpPr>
+          <p:cNvPr id="377" name="Shape 377"/>
+          <p:cNvCxnSpPr/>
+          <p:nvPr/>
+        </p:nvCxnSpPr>
+        <p:spPr>
+          <a:xfrm>
+            <a:off x="8600" y="1905000"/>
+            <a:ext cx="3196399" cy="0"/>
+          </a:xfrm>
+          <a:prstGeom prst="straightConnector1">
+            <a:avLst/>
+          </a:prstGeom>
+          <a:noFill/>
+          <a:ln w="9525" cap="flat" cmpd="sng">
+            <a:solidFill>
+              <a:srgbClr val="CCCCCC"/>
+            </a:solidFill>
+            <a:prstDash val="solid"/>
+            <a:round/>
+            <a:headEnd type="none" w="lg" len="lg"/>
+            <a:tailEnd type="none" w="lg" len="lg"/>
+          </a:ln>
+        </p:spPr>
+      </p:cxnSp>
+      <p:sp>
+        <p:nvSpPr>
+          <p:cNvPr id="378" name="Shape 378"/>
+          <p:cNvSpPr txBox="1"/>
+          <p:nvPr>
+            <p:ph type="ctrTitle" idx="4294967295"/>
+          </p:nvPr>
+        </p:nvSpPr>
+        <p:spPr>
+          <a:xfrm>
+            <a:off x="3162167" y="1088733"/>
+            <a:ext cx="6544000" cy="1546399"/>
+          </a:xfrm>
+          <a:prstGeom prst="rect">
+            <a:avLst/>
+          </a:prstGeom>
+        </p:spPr>
+        <p:txBody>
+          <a:bodyPr lIns="121900" tIns="121900" rIns="121900" bIns="121900" anchor="ctr" anchorCtr="0">
+            <a:noAutofit/>
+          </a:bodyPr>
+          <a:lstStyle/>
+          <a:p>
+            <a:pPr lvl="0" rtl="0">
+              <a:spcBef>
+                <a:spcPts val="0"/>
+              </a:spcBef>
+              <a:buNone/>
+            </a:pPr>
+            <a:r>
+              <a:rPr lang="en-GB" sz="8000"/>
+              <a:t>Thanks!</a:t>
+            </a:r>
+            <a:endParaRPr lang="en-GB" sz="8000"/>
+          </a:p>
+        </p:txBody>
+      </p:sp>
+      <p:cxnSp>
+        <p:nvCxnSpPr>
+          <p:cNvPr id="379" name="Shape 379"/>
+          <p:cNvCxnSpPr/>
+          <p:nvPr/>
+        </p:nvCxnSpPr>
+        <p:spPr>
+          <a:xfrm>
+            <a:off x="7453067" y="1905000"/>
+            <a:ext cx="4738800" cy="0"/>
+          </a:xfrm>
+          <a:prstGeom prst="straightConnector1">
+            <a:avLst/>
+          </a:prstGeom>
+          <a:noFill/>
+          <a:ln w="9525" cap="flat" cmpd="sng">
+            <a:solidFill>
+              <a:srgbClr val="CCCCCC"/>
+            </a:solidFill>
+            <a:prstDash val="solid"/>
+            <a:round/>
+            <a:headEnd type="none" w="lg" len="lg"/>
+            <a:tailEnd type="none" w="lg" len="lg"/>
+          </a:ln>
+        </p:spPr>
+      </p:cxnSp>
+      <p:sp>
+        <p:nvSpPr>
+          <p:cNvPr id="380" name="Shape 380"/>
+          <p:cNvSpPr/>
+          <p:nvPr/>
+        </p:nvSpPr>
+        <p:spPr>
+          <a:xfrm>
+            <a:off x="1109233" y="1145567"/>
+            <a:ext cx="1518800" cy="1518800"/>
+          </a:xfrm>
+          <a:prstGeom prst="ellipse">
+            <a:avLst/>
+          </a:prstGeom>
+          <a:solidFill>
+            <a:srgbClr val="FFCD00"/>
+          </a:solidFill>
+          <a:ln>
+            <a:noFill/>
+          </a:ln>
+        </p:spPr>
+        <p:txBody>
+          <a:bodyPr lIns="121900" tIns="121900" rIns="121900" bIns="121900" anchor="ctr" anchorCtr="0">
+            <a:noAutofit/>
+          </a:bodyPr>
+          <a:lstStyle/>
+          <a:p>
+            <a:pPr lvl="0">
+              <a:spcBef>
+                <a:spcPts val="0"/>
+              </a:spcBef>
+              <a:buNone/>
+            </a:pPr>
+            <a:endParaRPr sz="2400"/>
+          </a:p>
+        </p:txBody>
+      </p:sp>
+      <p:grpSp>
+        <p:nvGrpSpPr>
+          <p:cNvPr id="381" name="Shape 381"/>
+          <p:cNvGrpSpPr/>
+          <p:nvPr/>
+        </p:nvGrpSpPr>
+        <p:grpSpPr>
+          <a:xfrm>
+            <a:off x="1531851" y="1587679"/>
+            <a:ext cx="674296" cy="634356"/>
+            <a:chOff x="5972700" y="2330200"/>
+            <a:chExt cx="411625" cy="387275"/>
+          </a:xfrm>
+        </p:grpSpPr>
+        <p:sp>
+          <p:nvSpPr>
+            <p:cNvPr id="382" name="Shape 382"/>
+            <p:cNvSpPr/>
+            <p:nvPr/>
+          </p:nvSpPr>
+          <p:spPr>
+            <a:xfrm>
+              <a:off x="5972700" y="2476950"/>
+              <a:ext cx="98050" cy="219825"/>
+            </a:xfrm>
+            <a:custGeom>
+              <a:avLst/>
+              <a:gdLst/>
+              <a:ahLst/>
+              <a:cxnLst/>
+              <a:pathLst>
+                <a:path w="3922" h="8793" fill="none" extrusionOk="0">
+                  <a:moveTo>
+                    <a:pt x="0" y="0"/>
+                  </a:moveTo>
+                  <a:lnTo>
+                    <a:pt x="0" y="8792"/>
+                  </a:lnTo>
+                  <a:lnTo>
+                    <a:pt x="3921" y="8792"/>
+                  </a:lnTo>
+                  <a:lnTo>
+                    <a:pt x="3921" y="0"/>
+                  </a:lnTo>
+                  <a:lnTo>
+                    <a:pt x="0" y="0"/>
+                  </a:lnTo>
+                  <a:close/>
+                  <a:moveTo>
+                    <a:pt x="2411" y="2411"/>
+                  </a:moveTo>
+                  <a:lnTo>
+                    <a:pt x="2411" y="2411"/>
+                  </a:lnTo>
+                  <a:lnTo>
+                    <a:pt x="2265" y="2387"/>
+                  </a:lnTo>
+                  <a:lnTo>
+                    <a:pt x="2143" y="2363"/>
+                  </a:lnTo>
+                  <a:lnTo>
+                    <a:pt x="2022" y="2290"/>
+                  </a:lnTo>
+                  <a:lnTo>
+                    <a:pt x="1924" y="2216"/>
+                  </a:lnTo>
+                  <a:lnTo>
+                    <a:pt x="1827" y="2095"/>
+                  </a:lnTo>
+                  <a:lnTo>
+                    <a:pt x="1754" y="1973"/>
+                  </a:lnTo>
+                  <a:lnTo>
+                    <a:pt x="1729" y="1851"/>
+                  </a:lnTo>
+                  <a:lnTo>
+                    <a:pt x="1705" y="1705"/>
+                  </a:lnTo>
+                  <a:lnTo>
+                    <a:pt x="1705" y="1705"/>
+                  </a:lnTo>
+                  <a:lnTo>
+                    <a:pt x="1729" y="1559"/>
+                  </a:lnTo>
+                  <a:lnTo>
+                    <a:pt x="1754" y="1437"/>
+                  </a:lnTo>
+                  <a:lnTo>
+                    <a:pt x="1827" y="1315"/>
+                  </a:lnTo>
+                  <a:lnTo>
+                    <a:pt x="1924" y="1218"/>
+                  </a:lnTo>
+                  <a:lnTo>
+                    <a:pt x="2022" y="1120"/>
+                  </a:lnTo>
+                  <a:lnTo>
+                    <a:pt x="2143" y="1072"/>
+                  </a:lnTo>
+                  <a:lnTo>
+                    <a:pt x="2265" y="1023"/>
+                  </a:lnTo>
+                  <a:lnTo>
+                    <a:pt x="2411" y="999"/>
+                  </a:lnTo>
+                  <a:lnTo>
+                    <a:pt x="2411" y="999"/>
+                  </a:lnTo>
+                  <a:lnTo>
+                    <a:pt x="2557" y="1023"/>
+                  </a:lnTo>
+                  <a:lnTo>
+                    <a:pt x="2679" y="1072"/>
+                  </a:lnTo>
+                  <a:lnTo>
+                    <a:pt x="2801" y="1120"/>
+                  </a:lnTo>
+                  <a:lnTo>
+                    <a:pt x="2898" y="1218"/>
+                  </a:lnTo>
+                  <a:lnTo>
+                    <a:pt x="2996" y="1315"/>
+                  </a:lnTo>
+                  <a:lnTo>
+                    <a:pt x="3069" y="1437"/>
+                  </a:lnTo>
+                  <a:lnTo>
+                    <a:pt x="3093" y="1559"/>
+                  </a:lnTo>
+                  <a:lnTo>
+                    <a:pt x="3118" y="1705"/>
+                  </a:lnTo>
+                  <a:lnTo>
+                    <a:pt x="3118" y="1705"/>
+                  </a:lnTo>
+                  <a:lnTo>
+                    <a:pt x="3093" y="1851"/>
+                  </a:lnTo>
+                  <a:lnTo>
+                    <a:pt x="3069" y="1973"/>
+                  </a:lnTo>
+                  <a:lnTo>
+                    <a:pt x="2996" y="2095"/>
+                  </a:lnTo>
+                  <a:lnTo>
+                    <a:pt x="2898" y="2216"/>
+                  </a:lnTo>
+                  <a:lnTo>
+                    <a:pt x="2801" y="2290"/>
+                  </a:lnTo>
+                  <a:lnTo>
+                    <a:pt x="2679" y="2363"/>
+                  </a:lnTo>
+                  <a:lnTo>
+                    <a:pt x="2557" y="2387"/>
+                  </a:lnTo>
+                  <a:lnTo>
+                    <a:pt x="2411" y="2411"/>
+                  </a:lnTo>
+                  <a:lnTo>
+                    <a:pt x="2411" y="2411"/>
+                  </a:lnTo>
+                  <a:close/>
+                </a:path>
+              </a:pathLst>
+            </a:custGeom>
+            <a:noFill/>
+            <a:ln w="9525" cap="rnd" cmpd="sng">
+              <a:solidFill>
+                <a:srgbClr val="000000"/>
+              </a:solidFill>
+              <a:prstDash val="solid"/>
+              <a:round/>
+              <a:headEnd type="none" w="med" len="med"/>
+              <a:tailEnd type="none" w="med" len="med"/>
+            </a:ln>
+          </p:spPr>
+          <p:txBody>
+            <a:bodyPr lIns="121900" tIns="121900" rIns="121900" bIns="121900" anchor="ctr" anchorCtr="0">
+              <a:noAutofit/>
+            </a:bodyPr>
+            <a:lstStyle/>
+            <a:p>
+              <a:pPr lvl="0">
+                <a:spcBef>
+                  <a:spcPts val="0"/>
+                </a:spcBef>
+                <a:buNone/>
+              </a:pPr>
+              <a:endParaRPr sz="2400"/>
+            </a:p>
+          </p:txBody>
+        </p:sp>
+        <p:sp>
+          <p:nvSpPr>
+            <p:cNvPr id="383" name="Shape 383"/>
+            <p:cNvSpPr/>
+            <p:nvPr/>
+          </p:nvSpPr>
+          <p:spPr>
+            <a:xfrm>
+              <a:off x="6078025" y="2330200"/>
+              <a:ext cx="306300" cy="387275"/>
+            </a:xfrm>
+            <a:custGeom>
+              <a:avLst/>
+              <a:gdLst/>
+              <a:ahLst/>
+              <a:cxnLst/>
+              <a:pathLst>
+                <a:path w="12252" h="15491" fill="none" extrusionOk="0">
+                  <a:moveTo>
+                    <a:pt x="1" y="13396"/>
+                  </a:moveTo>
+                  <a:lnTo>
+                    <a:pt x="1511" y="13396"/>
+                  </a:lnTo>
+                  <a:lnTo>
+                    <a:pt x="1511" y="13396"/>
+                  </a:lnTo>
+                  <a:lnTo>
+                    <a:pt x="1998" y="13639"/>
+                  </a:lnTo>
+                  <a:lnTo>
+                    <a:pt x="2680" y="13932"/>
+                  </a:lnTo>
+                  <a:lnTo>
+                    <a:pt x="3556" y="14273"/>
+                  </a:lnTo>
+                  <a:lnTo>
+                    <a:pt x="4531" y="14638"/>
+                  </a:lnTo>
+                  <a:lnTo>
+                    <a:pt x="5578" y="14955"/>
+                  </a:lnTo>
+                  <a:lnTo>
+                    <a:pt x="6114" y="15101"/>
+                  </a:lnTo>
+                  <a:lnTo>
+                    <a:pt x="6650" y="15222"/>
+                  </a:lnTo>
+                  <a:lnTo>
+                    <a:pt x="7161" y="15344"/>
+                  </a:lnTo>
+                  <a:lnTo>
+                    <a:pt x="7672" y="15417"/>
+                  </a:lnTo>
+                  <a:lnTo>
+                    <a:pt x="8135" y="15466"/>
+                  </a:lnTo>
+                  <a:lnTo>
+                    <a:pt x="8598" y="15490"/>
+                  </a:lnTo>
+                  <a:lnTo>
+                    <a:pt x="8598" y="15490"/>
+                  </a:lnTo>
+                  <a:lnTo>
+                    <a:pt x="9377" y="15490"/>
+                  </a:lnTo>
+                  <a:lnTo>
+                    <a:pt x="9791" y="15466"/>
+                  </a:lnTo>
+                  <a:lnTo>
+                    <a:pt x="10181" y="15417"/>
+                  </a:lnTo>
+                  <a:lnTo>
+                    <a:pt x="10522" y="15320"/>
+                  </a:lnTo>
+                  <a:lnTo>
+                    <a:pt x="10692" y="15271"/>
+                  </a:lnTo>
+                  <a:lnTo>
+                    <a:pt x="10814" y="15222"/>
+                  </a:lnTo>
+                  <a:lnTo>
+                    <a:pt x="10936" y="15149"/>
+                  </a:lnTo>
+                  <a:lnTo>
+                    <a:pt x="11033" y="15052"/>
+                  </a:lnTo>
+                  <a:lnTo>
+                    <a:pt x="11082" y="14955"/>
+                  </a:lnTo>
+                  <a:lnTo>
+                    <a:pt x="11131" y="14833"/>
+                  </a:lnTo>
+                  <a:lnTo>
+                    <a:pt x="11204" y="14126"/>
+                  </a:lnTo>
+                  <a:lnTo>
+                    <a:pt x="11204" y="14126"/>
+                  </a:lnTo>
+                  <a:lnTo>
+                    <a:pt x="11180" y="13956"/>
+                  </a:lnTo>
+                  <a:lnTo>
+                    <a:pt x="11131" y="13810"/>
+                  </a:lnTo>
+                  <a:lnTo>
+                    <a:pt x="11033" y="13664"/>
+                  </a:lnTo>
+                  <a:lnTo>
+                    <a:pt x="10887" y="13542"/>
+                  </a:lnTo>
+                  <a:lnTo>
+                    <a:pt x="10887" y="13542"/>
+                  </a:lnTo>
+                  <a:lnTo>
+                    <a:pt x="11009" y="13518"/>
+                  </a:lnTo>
+                  <a:lnTo>
+                    <a:pt x="11131" y="13469"/>
+                  </a:lnTo>
+                  <a:lnTo>
+                    <a:pt x="11253" y="13420"/>
+                  </a:lnTo>
+                  <a:lnTo>
+                    <a:pt x="11350" y="13323"/>
+                  </a:lnTo>
+                  <a:lnTo>
+                    <a:pt x="11423" y="13225"/>
+                  </a:lnTo>
+                  <a:lnTo>
+                    <a:pt x="11496" y="13104"/>
+                  </a:lnTo>
+                  <a:lnTo>
+                    <a:pt x="11545" y="12957"/>
+                  </a:lnTo>
+                  <a:lnTo>
+                    <a:pt x="11569" y="12836"/>
+                  </a:lnTo>
+                  <a:lnTo>
+                    <a:pt x="11642" y="11959"/>
+                  </a:lnTo>
+                  <a:lnTo>
+                    <a:pt x="11642" y="11959"/>
+                  </a:lnTo>
+                  <a:lnTo>
+                    <a:pt x="11642" y="11837"/>
+                  </a:lnTo>
+                  <a:lnTo>
+                    <a:pt x="11642" y="11740"/>
+                  </a:lnTo>
+                  <a:lnTo>
+                    <a:pt x="11618" y="11618"/>
+                  </a:lnTo>
+                  <a:lnTo>
+                    <a:pt x="11569" y="11521"/>
+                  </a:lnTo>
+                  <a:lnTo>
+                    <a:pt x="11447" y="11350"/>
+                  </a:lnTo>
+                  <a:lnTo>
+                    <a:pt x="11374" y="11277"/>
+                  </a:lnTo>
+                  <a:lnTo>
+                    <a:pt x="11301" y="11204"/>
+                  </a:lnTo>
+                  <a:lnTo>
+                    <a:pt x="11301" y="11204"/>
+                  </a:lnTo>
+                  <a:lnTo>
+                    <a:pt x="11423" y="11180"/>
+                  </a:lnTo>
+                  <a:lnTo>
+                    <a:pt x="11521" y="11131"/>
+                  </a:lnTo>
+                  <a:lnTo>
+                    <a:pt x="11618" y="11058"/>
+                  </a:lnTo>
+                  <a:lnTo>
+                    <a:pt x="11715" y="10960"/>
+                  </a:lnTo>
+                  <a:lnTo>
+                    <a:pt x="11788" y="10863"/>
+                  </a:lnTo>
+                  <a:lnTo>
+                    <a:pt x="11837" y="10766"/>
+                  </a:lnTo>
+                  <a:lnTo>
+                    <a:pt x="11886" y="10644"/>
+                  </a:lnTo>
+                  <a:lnTo>
+                    <a:pt x="11910" y="10498"/>
+                  </a:lnTo>
+                  <a:lnTo>
+                    <a:pt x="11983" y="9645"/>
+                  </a:lnTo>
+                  <a:lnTo>
+                    <a:pt x="11983" y="9645"/>
+                  </a:lnTo>
+                  <a:lnTo>
+                    <a:pt x="11983" y="9523"/>
+                  </a:lnTo>
+                  <a:lnTo>
+                    <a:pt x="11983" y="9402"/>
+                  </a:lnTo>
+                  <a:lnTo>
+                    <a:pt x="11959" y="9280"/>
+                  </a:lnTo>
+                  <a:lnTo>
+                    <a:pt x="11910" y="9182"/>
+                  </a:lnTo>
+                  <a:lnTo>
+                    <a:pt x="11861" y="9085"/>
+                  </a:lnTo>
+                  <a:lnTo>
+                    <a:pt x="11788" y="9012"/>
+                  </a:lnTo>
+                  <a:lnTo>
+                    <a:pt x="11715" y="8939"/>
+                  </a:lnTo>
+                  <a:lnTo>
+                    <a:pt x="11618" y="8866"/>
+                  </a:lnTo>
+                  <a:lnTo>
+                    <a:pt x="11618" y="8866"/>
+                  </a:lnTo>
+                  <a:lnTo>
+                    <a:pt x="11715" y="8841"/>
+                  </a:lnTo>
+                  <a:lnTo>
+                    <a:pt x="11813" y="8768"/>
+                  </a:lnTo>
+                  <a:lnTo>
+                    <a:pt x="11910" y="8695"/>
+                  </a:lnTo>
+                  <a:lnTo>
+                    <a:pt x="11983" y="8622"/>
+                  </a:lnTo>
+                  <a:lnTo>
+                    <a:pt x="12056" y="8525"/>
+                  </a:lnTo>
+                  <a:lnTo>
+                    <a:pt x="12105" y="8427"/>
+                  </a:lnTo>
+                  <a:lnTo>
+                    <a:pt x="12129" y="8306"/>
+                  </a:lnTo>
+                  <a:lnTo>
+                    <a:pt x="12154" y="8184"/>
+                  </a:lnTo>
+                  <a:lnTo>
+                    <a:pt x="12251" y="7307"/>
+                  </a:lnTo>
+                  <a:lnTo>
+                    <a:pt x="12251" y="7307"/>
+                  </a:lnTo>
+                  <a:lnTo>
+                    <a:pt x="12227" y="7185"/>
+                  </a:lnTo>
+                  <a:lnTo>
+                    <a:pt x="12202" y="7064"/>
+                  </a:lnTo>
+                  <a:lnTo>
+                    <a:pt x="12154" y="6966"/>
+                  </a:lnTo>
+                  <a:lnTo>
+                    <a:pt x="12105" y="6869"/>
+                  </a:lnTo>
+                  <a:lnTo>
+                    <a:pt x="12032" y="6771"/>
+                  </a:lnTo>
+                  <a:lnTo>
+                    <a:pt x="11935" y="6698"/>
+                  </a:lnTo>
+                  <a:lnTo>
+                    <a:pt x="11715" y="6552"/>
+                  </a:lnTo>
+                  <a:lnTo>
+                    <a:pt x="11472" y="6430"/>
+                  </a:lnTo>
+                  <a:lnTo>
+                    <a:pt x="11180" y="6333"/>
+                  </a:lnTo>
+                  <a:lnTo>
+                    <a:pt x="10863" y="6260"/>
+                  </a:lnTo>
+                  <a:lnTo>
+                    <a:pt x="10546" y="6211"/>
+                  </a:lnTo>
+                  <a:lnTo>
+                    <a:pt x="10546" y="6211"/>
+                  </a:lnTo>
+                  <a:lnTo>
+                    <a:pt x="9864" y="6114"/>
+                  </a:lnTo>
+                  <a:lnTo>
+                    <a:pt x="8817" y="6016"/>
+                  </a:lnTo>
+                  <a:lnTo>
+                    <a:pt x="7575" y="5943"/>
+                  </a:lnTo>
+                  <a:lnTo>
+                    <a:pt x="6309" y="5870"/>
+                  </a:lnTo>
+                  <a:lnTo>
+                    <a:pt x="6309" y="5870"/>
+                  </a:lnTo>
+                  <a:lnTo>
+                    <a:pt x="6479" y="5578"/>
+                  </a:lnTo>
+                  <a:lnTo>
+                    <a:pt x="6625" y="5237"/>
+                  </a:lnTo>
+                  <a:lnTo>
+                    <a:pt x="6771" y="4872"/>
+                  </a:lnTo>
+                  <a:lnTo>
+                    <a:pt x="6869" y="4482"/>
+                  </a:lnTo>
+                  <a:lnTo>
+                    <a:pt x="6966" y="4092"/>
+                  </a:lnTo>
+                  <a:lnTo>
+                    <a:pt x="7064" y="3678"/>
+                  </a:lnTo>
+                  <a:lnTo>
+                    <a:pt x="7161" y="2875"/>
+                  </a:lnTo>
+                  <a:lnTo>
+                    <a:pt x="7234" y="2144"/>
+                  </a:lnTo>
+                  <a:lnTo>
+                    <a:pt x="7283" y="1535"/>
+                  </a:lnTo>
+                  <a:lnTo>
+                    <a:pt x="7283" y="975"/>
+                  </a:lnTo>
+                  <a:lnTo>
+                    <a:pt x="7283" y="975"/>
+                  </a:lnTo>
+                  <a:lnTo>
+                    <a:pt x="7283" y="804"/>
+                  </a:lnTo>
+                  <a:lnTo>
+                    <a:pt x="7210" y="609"/>
+                  </a:lnTo>
+                  <a:lnTo>
+                    <a:pt x="7137" y="463"/>
+                  </a:lnTo>
+                  <a:lnTo>
+                    <a:pt x="7015" y="317"/>
+                  </a:lnTo>
+                  <a:lnTo>
+                    <a:pt x="6869" y="171"/>
+                  </a:lnTo>
+                  <a:lnTo>
+                    <a:pt x="6698" y="98"/>
+                  </a:lnTo>
+                  <a:lnTo>
+                    <a:pt x="6503" y="25"/>
+                  </a:lnTo>
+                  <a:lnTo>
+                    <a:pt x="6309" y="1"/>
+                  </a:lnTo>
+                  <a:lnTo>
+                    <a:pt x="6309" y="1"/>
+                  </a:lnTo>
+                  <a:lnTo>
+                    <a:pt x="5943" y="25"/>
+                  </a:lnTo>
+                  <a:lnTo>
+                    <a:pt x="5700" y="74"/>
+                  </a:lnTo>
+                  <a:lnTo>
+                    <a:pt x="5505" y="147"/>
+                  </a:lnTo>
+                  <a:lnTo>
+                    <a:pt x="5359" y="220"/>
+                  </a:lnTo>
+                  <a:lnTo>
+                    <a:pt x="5359" y="220"/>
+                  </a:lnTo>
+                  <a:lnTo>
+                    <a:pt x="4969" y="1462"/>
+                  </a:lnTo>
+                  <a:lnTo>
+                    <a:pt x="4774" y="2022"/>
+                  </a:lnTo>
+                  <a:lnTo>
+                    <a:pt x="4579" y="2534"/>
+                  </a:lnTo>
+                  <a:lnTo>
+                    <a:pt x="4385" y="2996"/>
+                  </a:lnTo>
+                  <a:lnTo>
+                    <a:pt x="4190" y="3386"/>
+                  </a:lnTo>
+                  <a:lnTo>
+                    <a:pt x="4019" y="3678"/>
+                  </a:lnTo>
+                  <a:lnTo>
+                    <a:pt x="3873" y="3922"/>
+                  </a:lnTo>
+                  <a:lnTo>
+                    <a:pt x="3873" y="3922"/>
+                  </a:lnTo>
+                  <a:lnTo>
+                    <a:pt x="3654" y="4141"/>
+                  </a:lnTo>
+                  <a:lnTo>
+                    <a:pt x="3313" y="4482"/>
+                  </a:lnTo>
+                  <a:lnTo>
+                    <a:pt x="2509" y="5237"/>
+                  </a:lnTo>
+                  <a:lnTo>
+                    <a:pt x="1438" y="6211"/>
+                  </a:lnTo>
+                  <a:lnTo>
+                    <a:pt x="1" y="6211"/>
+                  </a:lnTo>
+                </a:path>
+              </a:pathLst>
+            </a:custGeom>
+            <a:noFill/>
+            <a:ln w="9525" cap="rnd" cmpd="sng">
+              <a:solidFill>
+                <a:srgbClr val="000000"/>
+              </a:solidFill>
+              <a:prstDash val="solid"/>
+              <a:round/>
+              <a:headEnd type="none" w="med" len="med"/>
+              <a:tailEnd type="none" w="med" len="med"/>
+            </a:ln>
+          </p:spPr>
+          <p:txBody>
+            <a:bodyPr lIns="121900" tIns="121900" rIns="121900" bIns="121900" anchor="ctr" anchorCtr="0">
+              <a:noAutofit/>
+            </a:bodyPr>
+            <a:lstStyle/>
+            <a:p>
+              <a:pPr lvl="0">
+                <a:spcBef>
+                  <a:spcPts val="0"/>
+                </a:spcBef>
+                <a:buNone/>
+              </a:pPr>
+              <a:endParaRPr sz="2400"/>
+            </a:p>
+          </p:txBody>
+        </p:sp>
+      </p:grpSp>
+    </p:spTree>
+  </p:cSld>
+  <p:clrMapOvr>
+    <a:masterClrMapping/>
+  </p:clrMapOvr>
+</p:sld>
+</file>
+
+<file path=ppt/slides/slide28.xml><?xml version="1.0" encoding="utf-8"?>
 <p:sld xmlns:a="http://schemas.openxmlformats.org/drawingml/2006/main" xmlns:r="http://schemas.openxmlformats.org/officeDocument/2006/relationships" xmlns:p="http://schemas.openxmlformats.org/presentationml/2006/main">
   <p:cSld>
     <p:spTree>
